--- a/Slide_ITSA_Basics/ITSA Basics_11_15.pptx
+++ b/Slide_ITSA_Basics/ITSA Basics_11_15.pptx
@@ -9,14 +9,18 @@
     <p:sldId id="260" r:id="rId3"/>
     <p:sldId id="270" r:id="rId4"/>
     <p:sldId id="272" r:id="rId5"/>
-    <p:sldId id="261" r:id="rId6"/>
-    <p:sldId id="265" r:id="rId7"/>
-    <p:sldId id="262" r:id="rId8"/>
-    <p:sldId id="259" r:id="rId9"/>
-    <p:sldId id="266" r:id="rId10"/>
-    <p:sldId id="268" r:id="rId11"/>
-    <p:sldId id="267" r:id="rId12"/>
-    <p:sldId id="269" r:id="rId13"/>
+    <p:sldId id="273" r:id="rId6"/>
+    <p:sldId id="261" r:id="rId7"/>
+    <p:sldId id="265" r:id="rId8"/>
+    <p:sldId id="262" r:id="rId9"/>
+    <p:sldId id="276" r:id="rId10"/>
+    <p:sldId id="259" r:id="rId11"/>
+    <p:sldId id="275" r:id="rId12"/>
+    <p:sldId id="266" r:id="rId13"/>
+    <p:sldId id="268" r:id="rId14"/>
+    <p:sldId id="267" r:id="rId15"/>
+    <p:sldId id="269" r:id="rId16"/>
+    <p:sldId id="274" r:id="rId17"/>
   </p:sldIdLst>
   <p:sldSz cx="9144000" cy="5715000" type="screen16x10"/>
   <p:notesSz cx="6858000" cy="9144000"/>
@@ -115,6 +119,11 @@
       </a:defRPr>
     </a:lvl9pPr>
   </p:defaultTextStyle>
+  <p:extLst>
+    <p:ext uri="{EFAFB233-063F-42B5-8137-9DF3F51BA10A}">
+      <p15:sldGuideLst xmlns:p15="http://schemas.microsoft.com/office/powerpoint/2012/main"/>
+    </p:ext>
+  </p:extLst>
 </p:presentation>
 </file>
 
@@ -16254,7 +16263,7 @@
           <a:p>
             <a:fld id="{F6FA2B21-3FCD-4721-B95C-427943F61125}" type="datetime1">
               <a:rPr lang="en-US" smtClean="0"/>
-              <a:t>6/30/19</a:t>
+              <a:t>7/22/19</a:t>
             </a:fld>
             <a:endParaRPr lang="en-US"/>
           </a:p>
@@ -16434,7 +16443,7 @@
           <a:p>
             <a:fld id="{F6FA2B21-3FCD-4721-B95C-427943F61125}" type="datetime1">
               <a:rPr lang="en-US" smtClean="0"/>
-              <a:t>6/30/19</a:t>
+              <a:t>7/22/19</a:t>
             </a:fld>
             <a:endParaRPr lang="en-US"/>
           </a:p>
@@ -16615,7 +16624,7 @@
           <a:p>
             <a:fld id="{F6FA2B21-3FCD-4721-B95C-427943F61125}" type="datetime1">
               <a:rPr lang="en-US" smtClean="0"/>
-              <a:t>6/30/19</a:t>
+              <a:t>7/22/19</a:t>
             </a:fld>
             <a:endParaRPr lang="en-US"/>
           </a:p>
@@ -16786,7 +16795,7 @@
           <a:p>
             <a:fld id="{F6FA2B21-3FCD-4721-B95C-427943F61125}" type="datetime1">
               <a:rPr lang="en-US" smtClean="0"/>
-              <a:t>6/30/19</a:t>
+              <a:t>7/22/19</a:t>
             </a:fld>
             <a:endParaRPr lang="en-US"/>
           </a:p>
@@ -17108,7 +17117,7 @@
           <a:p>
             <a:fld id="{F6FA2B21-3FCD-4721-B95C-427943F61125}" type="datetime1">
               <a:rPr lang="en-US" smtClean="0"/>
-              <a:t>6/30/19</a:t>
+              <a:t>7/22/19</a:t>
             </a:fld>
             <a:endParaRPr lang="en-US"/>
           </a:p>
@@ -17569,7 +17578,7 @@
           <a:p>
             <a:fld id="{F6FA2B21-3FCD-4721-B95C-427943F61125}" type="datetime1">
               <a:rPr lang="en-US" smtClean="0"/>
-              <a:t>6/30/19</a:t>
+              <a:t>7/22/19</a:t>
             </a:fld>
             <a:endParaRPr lang="en-US"/>
           </a:p>
@@ -17981,7 +17990,7 @@
           <a:p>
             <a:fld id="{F6FA2B21-3FCD-4721-B95C-427943F61125}" type="datetime1">
               <a:rPr lang="en-US" smtClean="0"/>
-              <a:t>6/30/19</a:t>
+              <a:t>7/22/19</a:t>
             </a:fld>
             <a:endParaRPr lang="en-US"/>
           </a:p>
@@ -18100,7 +18109,7 @@
           <a:p>
             <a:fld id="{F6FA2B21-3FCD-4721-B95C-427943F61125}" type="datetime1">
               <a:rPr lang="en-US" smtClean="0"/>
-              <a:t>6/30/19</a:t>
+              <a:t>7/22/19</a:t>
             </a:fld>
             <a:endParaRPr lang="en-US"/>
           </a:p>
@@ -18219,7 +18228,7 @@
           <a:p>
             <a:fld id="{F6FA2B21-3FCD-4721-B95C-427943F61125}" type="datetime1">
               <a:rPr lang="en-US" smtClean="0"/>
-              <a:t>6/30/19</a:t>
+              <a:t>7/22/19</a:t>
             </a:fld>
             <a:endParaRPr lang="en-US"/>
           </a:p>
@@ -18578,7 +18587,7 @@
           <a:p>
             <a:fld id="{F6FA2B21-3FCD-4721-B95C-427943F61125}" type="datetime1">
               <a:rPr lang="en-US" smtClean="0"/>
-              <a:t>6/30/19</a:t>
+              <a:t>7/22/19</a:t>
             </a:fld>
             <a:endParaRPr lang="en-US"/>
           </a:p>
@@ -19086,7 +19095,7 @@
           <a:p>
             <a:fld id="{F6FA2B21-3FCD-4721-B95C-427943F61125}" type="datetime1">
               <a:rPr lang="en-US" smtClean="0"/>
-              <a:t>6/30/19</a:t>
+              <a:t>7/22/19</a:t>
             </a:fld>
             <a:endParaRPr lang="en-US"/>
           </a:p>
@@ -19442,7 +19451,7 @@
           <a:p>
             <a:fld id="{F6FA2B21-3FCD-4721-B95C-427943F61125}" type="datetime1">
               <a:rPr lang="en-US" smtClean="0"/>
-              <a:t>6/30/19</a:t>
+              <a:t>7/22/19</a:t>
             </a:fld>
             <a:endParaRPr lang="en-US"/>
           </a:p>
@@ -20188,6 +20197,387 @@
       </p:grpSpPr>
       <p:pic>
         <p:nvPicPr>
+          <p:cNvPr id="2" name="圖片 1">
+            <a:extLst>
+              <a:ext uri="{FF2B5EF4-FFF2-40B4-BE49-F238E27FC236}">
+                <a16:creationId xmlns:a16="http://schemas.microsoft.com/office/drawing/2014/main" id="{834308E4-F13B-6447-8C8C-D69929433577}"/>
+              </a:ext>
+            </a:extLst>
+          </p:cNvPr>
+          <p:cNvPicPr>
+            <a:picLocks noChangeAspect="1"/>
+          </p:cNvPicPr>
+          <p:nvPr/>
+        </p:nvPicPr>
+        <p:blipFill>
+          <a:blip r:embed="rId2"/>
+          <a:stretch>
+            <a:fillRect/>
+          </a:stretch>
+        </p:blipFill>
+        <p:spPr>
+          <a:xfrm>
+            <a:off x="4419867" y="0"/>
+            <a:ext cx="4724133" cy="5715000"/>
+          </a:xfrm>
+          <a:prstGeom prst="rect">
+            <a:avLst/>
+          </a:prstGeom>
+        </p:spPr>
+      </p:pic>
+      <p:pic>
+        <p:nvPicPr>
+          <p:cNvPr id="9" name="圖片 8">
+            <a:extLst>
+              <a:ext uri="{FF2B5EF4-FFF2-40B4-BE49-F238E27FC236}">
+                <a16:creationId xmlns:a16="http://schemas.microsoft.com/office/drawing/2014/main" id="{E2CE32FA-6918-2A4E-A9EF-64B8F1AAFCAA}"/>
+              </a:ext>
+            </a:extLst>
+          </p:cNvPr>
+          <p:cNvPicPr>
+            <a:picLocks noChangeAspect="1"/>
+          </p:cNvPicPr>
+          <p:nvPr/>
+        </p:nvPicPr>
+        <p:blipFill>
+          <a:blip r:embed="rId3"/>
+          <a:stretch>
+            <a:fillRect/>
+          </a:stretch>
+        </p:blipFill>
+        <p:spPr>
+          <a:xfrm>
+            <a:off x="138740" y="1829660"/>
+            <a:ext cx="5730432" cy="3641506"/>
+          </a:xfrm>
+          <a:prstGeom prst="rect">
+            <a:avLst/>
+          </a:prstGeom>
+          <a:ln>
+            <a:solidFill>
+              <a:schemeClr val="accent2"/>
+            </a:solidFill>
+          </a:ln>
+        </p:spPr>
+      </p:pic>
+    </p:spTree>
+    <p:extLst>
+      <p:ext uri="{BB962C8B-B14F-4D97-AF65-F5344CB8AC3E}">
+        <p14:creationId xmlns:p14="http://schemas.microsoft.com/office/powerpoint/2010/main" val="2823131167"/>
+      </p:ext>
+    </p:extLst>
+  </p:cSld>
+  <p:clrMapOvr>
+    <a:masterClrMapping/>
+  </p:clrMapOvr>
+</p:sld>
+</file>
+
+<file path=ppt/slides/slide11.xml><?xml version="1.0" encoding="utf-8"?>
+<p:sld xmlns:a="http://schemas.openxmlformats.org/drawingml/2006/main" xmlns:r="http://schemas.openxmlformats.org/officeDocument/2006/relationships" xmlns:p="http://schemas.openxmlformats.org/presentationml/2006/main">
+  <p:cSld>
+    <p:spTree>
+      <p:nvGrpSpPr>
+        <p:cNvPr id="1" name=""/>
+        <p:cNvGrpSpPr/>
+        <p:nvPr/>
+      </p:nvGrpSpPr>
+      <p:grpSpPr>
+        <a:xfrm>
+          <a:off x="0" y="0"/>
+          <a:ext cx="0" cy="0"/>
+          <a:chOff x="0" y="0"/>
+          <a:chExt cx="0" cy="0"/>
+        </a:xfrm>
+      </p:grpSpPr>
+      <p:pic>
+        <p:nvPicPr>
+          <p:cNvPr id="2" name="圖片 1">
+            <a:extLst>
+              <a:ext uri="{FF2B5EF4-FFF2-40B4-BE49-F238E27FC236}">
+                <a16:creationId xmlns:a16="http://schemas.microsoft.com/office/drawing/2014/main" id="{4C97AD19-49A3-CE43-A971-1B79A08C0C64}"/>
+              </a:ext>
+            </a:extLst>
+          </p:cNvPr>
+          <p:cNvPicPr>
+            <a:picLocks noChangeAspect="1"/>
+          </p:cNvPicPr>
+          <p:nvPr/>
+        </p:nvPicPr>
+        <p:blipFill>
+          <a:blip r:embed="rId2"/>
+          <a:stretch>
+            <a:fillRect/>
+          </a:stretch>
+        </p:blipFill>
+        <p:spPr>
+          <a:xfrm>
+            <a:off x="198839" y="74154"/>
+            <a:ext cx="5884788" cy="2205693"/>
+          </a:xfrm>
+          <a:prstGeom prst="rect">
+            <a:avLst/>
+          </a:prstGeom>
+          <a:ln>
+            <a:solidFill>
+              <a:schemeClr val="accent2"/>
+            </a:solidFill>
+          </a:ln>
+        </p:spPr>
+      </p:pic>
+      <p:pic>
+        <p:nvPicPr>
+          <p:cNvPr id="3" name="圖片 2">
+            <a:extLst>
+              <a:ext uri="{FF2B5EF4-FFF2-40B4-BE49-F238E27FC236}">
+                <a16:creationId xmlns:a16="http://schemas.microsoft.com/office/drawing/2014/main" id="{01889EC1-C5D8-6149-B2FB-8A4E1CB9E028}"/>
+              </a:ext>
+            </a:extLst>
+          </p:cNvPr>
+          <p:cNvPicPr>
+            <a:picLocks noChangeAspect="1"/>
+          </p:cNvPicPr>
+          <p:nvPr/>
+        </p:nvPicPr>
+        <p:blipFill>
+          <a:blip r:embed="rId3"/>
+          <a:stretch>
+            <a:fillRect/>
+          </a:stretch>
+        </p:blipFill>
+        <p:spPr>
+          <a:xfrm>
+            <a:off x="3141233" y="2305114"/>
+            <a:ext cx="2942394" cy="3404479"/>
+          </a:xfrm>
+          <a:prstGeom prst="rect">
+            <a:avLst/>
+          </a:prstGeom>
+        </p:spPr>
+      </p:pic>
+      <p:pic>
+        <p:nvPicPr>
+          <p:cNvPr id="4" name="圖片 3">
+            <a:extLst>
+              <a:ext uri="{FF2B5EF4-FFF2-40B4-BE49-F238E27FC236}">
+                <a16:creationId xmlns:a16="http://schemas.microsoft.com/office/drawing/2014/main" id="{4D9D7104-AC7B-A342-B74C-96AE97BCCEB2}"/>
+              </a:ext>
+            </a:extLst>
+          </p:cNvPr>
+          <p:cNvPicPr>
+            <a:picLocks noChangeAspect="1"/>
+          </p:cNvPicPr>
+          <p:nvPr/>
+        </p:nvPicPr>
+        <p:blipFill>
+          <a:blip r:embed="rId4"/>
+          <a:stretch>
+            <a:fillRect/>
+          </a:stretch>
+        </p:blipFill>
+        <p:spPr>
+          <a:xfrm>
+            <a:off x="198839" y="2305115"/>
+            <a:ext cx="2817971" cy="3399348"/>
+          </a:xfrm>
+          <a:prstGeom prst="rect">
+            <a:avLst/>
+          </a:prstGeom>
+        </p:spPr>
+      </p:pic>
+      <p:sp>
+        <p:nvSpPr>
+          <p:cNvPr id="5" name="向左箭號 4">
+            <a:extLst>
+              <a:ext uri="{FF2B5EF4-FFF2-40B4-BE49-F238E27FC236}">
+                <a16:creationId xmlns:a16="http://schemas.microsoft.com/office/drawing/2014/main" id="{ECF5A84D-29DD-3645-8249-5EC5D40E93E9}"/>
+              </a:ext>
+            </a:extLst>
+          </p:cNvPr>
+          <p:cNvSpPr/>
+          <p:nvPr/>
+        </p:nvSpPr>
+        <p:spPr>
+          <a:xfrm>
+            <a:off x="6296561" y="1049409"/>
+            <a:ext cx="531627" cy="255181"/>
+          </a:xfrm>
+          <a:prstGeom prst="leftArrow">
+            <a:avLst/>
+          </a:prstGeom>
+        </p:spPr>
+        <p:style>
+          <a:lnRef idx="2">
+            <a:schemeClr val="accent1">
+              <a:shade val="50000"/>
+            </a:schemeClr>
+          </a:lnRef>
+          <a:fillRef idx="1">
+            <a:schemeClr val="accent1"/>
+          </a:fillRef>
+          <a:effectRef idx="0">
+            <a:schemeClr val="accent1"/>
+          </a:effectRef>
+          <a:fontRef idx="minor">
+            <a:schemeClr val="lt1"/>
+          </a:fontRef>
+        </p:style>
+        <p:txBody>
+          <a:bodyPr rtlCol="0" anchor="ctr"/>
+          <a:lstStyle/>
+          <a:p>
+            <a:pPr algn="ctr"/>
+            <a:endParaRPr kumimoji="1" lang="zh-TW" altLang="en-US"/>
+          </a:p>
+        </p:txBody>
+      </p:sp>
+    </p:spTree>
+    <p:extLst>
+      <p:ext uri="{BB962C8B-B14F-4D97-AF65-F5344CB8AC3E}">
+        <p14:creationId xmlns:p14="http://schemas.microsoft.com/office/powerpoint/2010/main" val="3060307167"/>
+      </p:ext>
+    </p:extLst>
+  </p:cSld>
+  <p:clrMapOvr>
+    <a:masterClrMapping/>
+  </p:clrMapOvr>
+</p:sld>
+</file>
+
+<file path=ppt/slides/slide12.xml><?xml version="1.0" encoding="utf-8"?>
+<p:sld xmlns:a="http://schemas.openxmlformats.org/drawingml/2006/main" xmlns:r="http://schemas.openxmlformats.org/officeDocument/2006/relationships" xmlns:p="http://schemas.openxmlformats.org/presentationml/2006/main">
+  <p:cSld>
+    <p:bg>
+      <p:bgPr>
+        <a:solidFill>
+          <a:schemeClr val="bg1"/>
+        </a:solidFill>
+        <a:effectLst/>
+      </p:bgPr>
+    </p:bg>
+    <p:spTree>
+      <p:nvGrpSpPr>
+        <p:cNvPr id="1" name=""/>
+        <p:cNvGrpSpPr/>
+        <p:nvPr/>
+      </p:nvGrpSpPr>
+      <p:grpSpPr>
+        <a:xfrm>
+          <a:off x="0" y="0"/>
+          <a:ext cx="0" cy="0"/>
+          <a:chOff x="0" y="0"/>
+          <a:chExt cx="0" cy="0"/>
+        </a:xfrm>
+      </p:grpSpPr>
+      <p:sp>
+        <p:nvSpPr>
+          <p:cNvPr id="2" name="標題 1">
+            <a:extLst>
+              <a:ext uri="{FF2B5EF4-FFF2-40B4-BE49-F238E27FC236}">
+                <a16:creationId xmlns:a16="http://schemas.microsoft.com/office/drawing/2014/main" id="{8C2840B5-9697-D44A-8CEC-C50B447D4D01}"/>
+              </a:ext>
+            </a:extLst>
+          </p:cNvPr>
+          <p:cNvSpPr>
+            <a:spLocks noGrp="1"/>
+          </p:cNvSpPr>
+          <p:nvPr>
+            <p:ph type="title"/>
+          </p:nvPr>
+        </p:nvSpPr>
+        <p:spPr>
+          <a:xfrm>
+            <a:off x="6359833" y="765573"/>
+            <a:ext cx="2284555" cy="3883033"/>
+          </a:xfrm>
+          <a:ln>
+            <a:noFill/>
+          </a:ln>
+        </p:spPr>
+        <p:txBody>
+          <a:bodyPr>
+            <a:normAutofit/>
+          </a:bodyPr>
+          <a:lstStyle/>
+          <a:p>
+            <a:r>
+              <a:rPr lang="zh-TW" altLang="en-US" sz="2400" b="1" dirty="0"/>
+              <a:t>題目</a:t>
+            </a:r>
+            <a:r>
+              <a:rPr lang="en-US" altLang="zh-TW" sz="2400" b="1" dirty="0"/>
+              <a:t>14. </a:t>
+            </a:r>
+            <a:r>
+              <a:rPr lang="zh-TW" altLang="en-US" sz="2400" b="1" dirty="0"/>
+              <a:t>判斷是否為迴文</a:t>
+            </a:r>
+          </a:p>
+        </p:txBody>
+      </p:sp>
+      <p:graphicFrame>
+        <p:nvGraphicFramePr>
+          <p:cNvPr id="5" name="內容版面配置區 2">
+            <a:extLst>
+              <a:ext uri="{FF2B5EF4-FFF2-40B4-BE49-F238E27FC236}">
+                <a16:creationId xmlns:a16="http://schemas.microsoft.com/office/drawing/2014/main" id="{B79F1320-04D0-4EA3-96DD-9006D69E9172}"/>
+              </a:ext>
+            </a:extLst>
+          </p:cNvPr>
+          <p:cNvGraphicFramePr>
+            <a:graphicFrameLocks noGrp="1"/>
+          </p:cNvGraphicFramePr>
+          <p:nvPr>
+            <p:ph idx="1"/>
+            <p:extLst>
+              <p:ext uri="{D42A27DB-BD31-4B8C-83A1-F6EECF244321}">
+                <p14:modId xmlns:p14="http://schemas.microsoft.com/office/powerpoint/2010/main" val="1474320619"/>
+              </p:ext>
+            </p:extLst>
+          </p:nvPr>
+        </p:nvGraphicFramePr>
+        <p:xfrm>
+          <a:off x="466725" y="765572"/>
+          <a:ext cx="4929188" cy="4191000"/>
+        </p:xfrm>
+        <a:graphic>
+          <a:graphicData uri="http://schemas.openxmlformats.org/drawingml/2006/diagram">
+            <dgm:relIds xmlns:dgm="http://schemas.openxmlformats.org/drawingml/2006/diagram" xmlns:r="http://schemas.openxmlformats.org/officeDocument/2006/relationships" r:dm="rId2" r:lo="rId3" r:qs="rId4" r:cs="rId5"/>
+          </a:graphicData>
+        </a:graphic>
+      </p:graphicFrame>
+    </p:spTree>
+    <p:extLst>
+      <p:ext uri="{BB962C8B-B14F-4D97-AF65-F5344CB8AC3E}">
+        <p14:creationId xmlns:p14="http://schemas.microsoft.com/office/powerpoint/2010/main" val="2402312671"/>
+      </p:ext>
+    </p:extLst>
+  </p:cSld>
+  <p:clrMapOvr>
+    <a:masterClrMapping/>
+  </p:clrMapOvr>
+</p:sld>
+</file>
+
+<file path=ppt/slides/slide13.xml><?xml version="1.0" encoding="utf-8"?>
+<p:sld xmlns:a="http://schemas.openxmlformats.org/drawingml/2006/main" xmlns:r="http://schemas.openxmlformats.org/officeDocument/2006/relationships" xmlns:p="http://schemas.openxmlformats.org/presentationml/2006/main">
+  <p:cSld>
+    <p:spTree>
+      <p:nvGrpSpPr>
+        <p:cNvPr id="1" name=""/>
+        <p:cNvGrpSpPr/>
+        <p:nvPr/>
+      </p:nvGrpSpPr>
+      <p:grpSpPr>
+        <a:xfrm>
+          <a:off x="0" y="0"/>
+          <a:ext cx="0" cy="0"/>
+          <a:chOff x="0" y="0"/>
+          <a:chExt cx="0" cy="0"/>
+        </a:xfrm>
+      </p:grpSpPr>
+      <p:pic>
+        <p:nvPicPr>
           <p:cNvPr id="10" name="圖片 9">
             <a:extLst>
               <a:ext uri="{FF2B5EF4-FFF2-40B4-BE49-F238E27FC236}">
@@ -20256,6 +20646,335 @@
           </a:ln>
         </p:spPr>
       </p:pic>
+      <p:graphicFrame>
+        <p:nvGraphicFramePr>
+          <p:cNvPr id="2" name="表格 1">
+            <a:extLst>
+              <a:ext uri="{FF2B5EF4-FFF2-40B4-BE49-F238E27FC236}">
+                <a16:creationId xmlns:a16="http://schemas.microsoft.com/office/drawing/2014/main" id="{DAD84544-DC29-8D4F-9A1D-89E6C11528D4}"/>
+              </a:ext>
+            </a:extLst>
+          </p:cNvPr>
+          <p:cNvGraphicFramePr>
+            <a:graphicFrameLocks noGrp="1"/>
+          </p:cNvGraphicFramePr>
+          <p:nvPr>
+            <p:extLst>
+              <p:ext uri="{D42A27DB-BD31-4B8C-83A1-F6EECF244321}">
+                <p14:modId xmlns:p14="http://schemas.microsoft.com/office/powerpoint/2010/main" val="3194439643"/>
+              </p:ext>
+            </p:extLst>
+          </p:nvPr>
+        </p:nvGraphicFramePr>
+        <p:xfrm>
+          <a:off x="4572000" y="517852"/>
+          <a:ext cx="4467967" cy="302544"/>
+        </p:xfrm>
+        <a:graphic>
+          <a:graphicData uri="http://schemas.openxmlformats.org/drawingml/2006/table">
+            <a:tbl>
+              <a:tblPr bandRow="1">
+                <a:tableStyleId>{5C22544A-7EE6-4342-B048-85BDC9FD1C3A}</a:tableStyleId>
+              </a:tblPr>
+              <a:tblGrid>
+                <a:gridCol w="638281">
+                  <a:extLst>
+                    <a:ext uri="{9D8B030D-6E8A-4147-A177-3AD203B41FA5}">
+                      <a16:colId xmlns:a16="http://schemas.microsoft.com/office/drawing/2014/main" val="715126056"/>
+                    </a:ext>
+                  </a:extLst>
+                </a:gridCol>
+                <a:gridCol w="638281">
+                  <a:extLst>
+                    <a:ext uri="{9D8B030D-6E8A-4147-A177-3AD203B41FA5}">
+                      <a16:colId xmlns:a16="http://schemas.microsoft.com/office/drawing/2014/main" val="3104057145"/>
+                    </a:ext>
+                  </a:extLst>
+                </a:gridCol>
+                <a:gridCol w="638281">
+                  <a:extLst>
+                    <a:ext uri="{9D8B030D-6E8A-4147-A177-3AD203B41FA5}">
+                      <a16:colId xmlns:a16="http://schemas.microsoft.com/office/drawing/2014/main" val="1131522166"/>
+                    </a:ext>
+                  </a:extLst>
+                </a:gridCol>
+                <a:gridCol w="638281">
+                  <a:extLst>
+                    <a:ext uri="{9D8B030D-6E8A-4147-A177-3AD203B41FA5}">
+                      <a16:colId xmlns:a16="http://schemas.microsoft.com/office/drawing/2014/main" val="3244148804"/>
+                    </a:ext>
+                  </a:extLst>
+                </a:gridCol>
+                <a:gridCol w="638281">
+                  <a:extLst>
+                    <a:ext uri="{9D8B030D-6E8A-4147-A177-3AD203B41FA5}">
+                      <a16:colId xmlns:a16="http://schemas.microsoft.com/office/drawing/2014/main" val="3047729264"/>
+                    </a:ext>
+                  </a:extLst>
+                </a:gridCol>
+                <a:gridCol w="638281">
+                  <a:extLst>
+                    <a:ext uri="{9D8B030D-6E8A-4147-A177-3AD203B41FA5}">
+                      <a16:colId xmlns:a16="http://schemas.microsoft.com/office/drawing/2014/main" val="3071588847"/>
+                    </a:ext>
+                  </a:extLst>
+                </a:gridCol>
+                <a:gridCol w="638281">
+                  <a:extLst>
+                    <a:ext uri="{9D8B030D-6E8A-4147-A177-3AD203B41FA5}">
+                      <a16:colId xmlns:a16="http://schemas.microsoft.com/office/drawing/2014/main" val="1960052027"/>
+                    </a:ext>
+                  </a:extLst>
+                </a:gridCol>
+              </a:tblGrid>
+              <a:tr h="302544">
+                <a:tc>
+                  <a:txBody>
+                    <a:bodyPr/>
+                    <a:lstStyle/>
+                    <a:p>
+                      <a:pPr algn="ctr"/>
+                      <a:r>
+                        <a:rPr lang="en-US" altLang="zh-TW" sz="1200" dirty="0"/>
+                        <a:t>1</a:t>
+                      </a:r>
+                      <a:endParaRPr lang="zh-TW" altLang="en-US" sz="1200" dirty="0"/>
+                    </a:p>
+                  </a:txBody>
+                  <a:tcPr/>
+                </a:tc>
+                <a:tc>
+                  <a:txBody>
+                    <a:bodyPr/>
+                    <a:lstStyle/>
+                    <a:p>
+                      <a:pPr algn="ctr"/>
+                      <a:r>
+                        <a:rPr lang="en-US" altLang="zh-TW" sz="1200" dirty="0"/>
+                        <a:t>5</a:t>
+                      </a:r>
+                      <a:endParaRPr lang="zh-TW" altLang="en-US" sz="1200" dirty="0"/>
+                    </a:p>
+                  </a:txBody>
+                  <a:tcPr/>
+                </a:tc>
+                <a:tc>
+                  <a:txBody>
+                    <a:bodyPr/>
+                    <a:lstStyle/>
+                    <a:p>
+                      <a:pPr algn="ctr"/>
+                      <a:r>
+                        <a:rPr lang="en-US" altLang="zh-TW" sz="1200" dirty="0"/>
+                        <a:t>5</a:t>
+                      </a:r>
+                      <a:endParaRPr lang="zh-TW" altLang="en-US" sz="1200" dirty="0"/>
+                    </a:p>
+                  </a:txBody>
+                  <a:tcPr/>
+                </a:tc>
+                <a:tc>
+                  <a:txBody>
+                    <a:bodyPr/>
+                    <a:lstStyle/>
+                    <a:p>
+                      <a:pPr algn="ctr"/>
+                      <a:r>
+                        <a:rPr lang="en-US" altLang="zh-TW" sz="1200" dirty="0"/>
+                        <a:t>6</a:t>
+                      </a:r>
+                      <a:endParaRPr lang="zh-TW" altLang="en-US" sz="1200" dirty="0"/>
+                    </a:p>
+                  </a:txBody>
+                  <a:tcPr/>
+                </a:tc>
+                <a:tc>
+                  <a:txBody>
+                    <a:bodyPr/>
+                    <a:lstStyle/>
+                    <a:p>
+                      <a:pPr algn="ctr"/>
+                      <a:r>
+                        <a:rPr lang="en-US" altLang="zh-TW" sz="1200" dirty="0"/>
+                        <a:t>5</a:t>
+                      </a:r>
+                      <a:endParaRPr lang="zh-TW" altLang="en-US" sz="1200" dirty="0"/>
+                    </a:p>
+                  </a:txBody>
+                  <a:tcPr/>
+                </a:tc>
+                <a:tc>
+                  <a:txBody>
+                    <a:bodyPr/>
+                    <a:lstStyle/>
+                    <a:p>
+                      <a:pPr algn="ctr"/>
+                      <a:r>
+                        <a:rPr lang="en-US" altLang="zh-TW" sz="1200" dirty="0"/>
+                        <a:t>5</a:t>
+                      </a:r>
+                      <a:endParaRPr lang="zh-TW" altLang="en-US" sz="1200" dirty="0"/>
+                    </a:p>
+                  </a:txBody>
+                  <a:tcPr/>
+                </a:tc>
+                <a:tc>
+                  <a:txBody>
+                    <a:bodyPr/>
+                    <a:lstStyle/>
+                    <a:p>
+                      <a:pPr algn="ctr"/>
+                      <a:r>
+                        <a:rPr lang="en-US" altLang="zh-TW" sz="1200" dirty="0"/>
+                        <a:t>1</a:t>
+                      </a:r>
+                      <a:endParaRPr lang="zh-TW" altLang="en-US" sz="1200" dirty="0"/>
+                    </a:p>
+                  </a:txBody>
+                  <a:tcPr/>
+                </a:tc>
+                <a:extLst>
+                  <a:ext uri="{0D108BD9-81ED-4DB2-BD59-A6C34878D82A}">
+                    <a16:rowId xmlns:a16="http://schemas.microsoft.com/office/drawing/2014/main" val="3008578740"/>
+                  </a:ext>
+                </a:extLst>
+              </a:tr>
+            </a:tbl>
+          </a:graphicData>
+        </a:graphic>
+      </p:graphicFrame>
+      <p:sp>
+        <p:nvSpPr>
+          <p:cNvPr id="3" name="左中括弧 2">
+            <a:extLst>
+              <a:ext uri="{FF2B5EF4-FFF2-40B4-BE49-F238E27FC236}">
+                <a16:creationId xmlns:a16="http://schemas.microsoft.com/office/drawing/2014/main" id="{C5912740-9BF2-5E4E-8397-A6D383950FAA}"/>
+              </a:ext>
+            </a:extLst>
+          </p:cNvPr>
+          <p:cNvSpPr/>
+          <p:nvPr/>
+        </p:nvSpPr>
+        <p:spPr>
+          <a:xfrm rot="16200000" flipV="1">
+            <a:off x="6744026" y="-981760"/>
+            <a:ext cx="123915" cy="3873500"/>
+          </a:xfrm>
+          <a:prstGeom prst="leftBracket">
+            <a:avLst/>
+          </a:prstGeom>
+        </p:spPr>
+        <p:style>
+          <a:lnRef idx="1">
+            <a:schemeClr val="accent1"/>
+          </a:lnRef>
+          <a:fillRef idx="0">
+            <a:schemeClr val="accent1"/>
+          </a:fillRef>
+          <a:effectRef idx="0">
+            <a:schemeClr val="accent1"/>
+          </a:effectRef>
+          <a:fontRef idx="minor">
+            <a:schemeClr val="tx1"/>
+          </a:fontRef>
+        </p:style>
+        <p:txBody>
+          <a:bodyPr rtlCol="0" anchor="ctr"/>
+          <a:lstStyle/>
+          <a:p>
+            <a:pPr algn="ctr"/>
+            <a:endParaRPr kumimoji="1" lang="zh-TW" altLang="en-US"/>
+          </a:p>
+        </p:txBody>
+      </p:sp>
+      <p:sp>
+        <p:nvSpPr>
+          <p:cNvPr id="6" name="左中括弧 5">
+            <a:extLst>
+              <a:ext uri="{FF2B5EF4-FFF2-40B4-BE49-F238E27FC236}">
+                <a16:creationId xmlns:a16="http://schemas.microsoft.com/office/drawing/2014/main" id="{CA0A135F-B9A9-F745-8161-8746E5D86D07}"/>
+              </a:ext>
+            </a:extLst>
+          </p:cNvPr>
+          <p:cNvSpPr/>
+          <p:nvPr/>
+        </p:nvSpPr>
+        <p:spPr>
+          <a:xfrm rot="16200000" flipV="1">
+            <a:off x="6755941" y="-39395"/>
+            <a:ext cx="123913" cy="2532846"/>
+          </a:xfrm>
+          <a:prstGeom prst="leftBracket">
+            <a:avLst/>
+          </a:prstGeom>
+        </p:spPr>
+        <p:style>
+          <a:lnRef idx="1">
+            <a:schemeClr val="accent1"/>
+          </a:lnRef>
+          <a:fillRef idx="0">
+            <a:schemeClr val="accent1"/>
+          </a:fillRef>
+          <a:effectRef idx="0">
+            <a:schemeClr val="accent1"/>
+          </a:effectRef>
+          <a:fontRef idx="minor">
+            <a:schemeClr val="tx1"/>
+          </a:fontRef>
+        </p:style>
+        <p:txBody>
+          <a:bodyPr rtlCol="0" anchor="ctr"/>
+          <a:lstStyle/>
+          <a:p>
+            <a:pPr algn="ctr"/>
+            <a:endParaRPr kumimoji="1" lang="zh-TW" altLang="en-US"/>
+          </a:p>
+        </p:txBody>
+      </p:sp>
+      <p:sp>
+        <p:nvSpPr>
+          <p:cNvPr id="7" name="左中括弧 6">
+            <a:extLst>
+              <a:ext uri="{FF2B5EF4-FFF2-40B4-BE49-F238E27FC236}">
+                <a16:creationId xmlns:a16="http://schemas.microsoft.com/office/drawing/2014/main" id="{F234E00D-6039-304C-9FE4-6D58DB6148C6}"/>
+              </a:ext>
+            </a:extLst>
+          </p:cNvPr>
+          <p:cNvSpPr/>
+          <p:nvPr/>
+        </p:nvSpPr>
+        <p:spPr>
+          <a:xfrm rot="16200000" flipV="1">
+            <a:off x="6760408" y="868262"/>
+            <a:ext cx="123913" cy="1224952"/>
+          </a:xfrm>
+          <a:prstGeom prst="leftBracket">
+            <a:avLst/>
+          </a:prstGeom>
+        </p:spPr>
+        <p:style>
+          <a:lnRef idx="1">
+            <a:schemeClr val="accent1"/>
+          </a:lnRef>
+          <a:fillRef idx="0">
+            <a:schemeClr val="accent1"/>
+          </a:fillRef>
+          <a:effectRef idx="0">
+            <a:schemeClr val="accent1"/>
+          </a:effectRef>
+          <a:fontRef idx="minor">
+            <a:schemeClr val="tx1"/>
+          </a:fontRef>
+        </p:style>
+        <p:txBody>
+          <a:bodyPr rtlCol="0" anchor="ctr"/>
+          <a:lstStyle/>
+          <a:p>
+            <a:pPr algn="ctr"/>
+            <a:endParaRPr kumimoji="1" lang="zh-TW" altLang="en-US"/>
+          </a:p>
+        </p:txBody>
+      </p:sp>
     </p:spTree>
     <p:extLst>
       <p:ext uri="{BB962C8B-B14F-4D97-AF65-F5344CB8AC3E}">
@@ -20269,7 +20988,7 @@
 </p:sld>
 </file>
 
-<file path=ppt/slides/slide11.xml><?xml version="1.0" encoding="utf-8"?>
+<file path=ppt/slides/slide14.xml><?xml version="1.0" encoding="utf-8"?>
 <p:sld xmlns:a="http://schemas.openxmlformats.org/drawingml/2006/main" xmlns:r="http://schemas.openxmlformats.org/officeDocument/2006/relationships" xmlns:p="http://schemas.openxmlformats.org/presentationml/2006/main">
   <p:cSld>
     <p:bg>
@@ -20384,7 +21103,7 @@
 </p:sld>
 </file>
 
-<file path=ppt/slides/slide12.xml><?xml version="1.0" encoding="utf-8"?>
+<file path=ppt/slides/slide15.xml><?xml version="1.0" encoding="utf-8"?>
 <p:sld xmlns:a="http://schemas.openxmlformats.org/drawingml/2006/main" xmlns:r="http://schemas.openxmlformats.org/officeDocument/2006/relationships" xmlns:p="http://schemas.openxmlformats.org/presentationml/2006/main">
   <p:cSld>
     <p:spTree>
@@ -20423,7 +21142,7 @@
         </p:blipFill>
         <p:spPr>
           <a:xfrm>
-            <a:off x="1428750" y="654050"/>
+            <a:off x="257976" y="329310"/>
             <a:ext cx="6286500" cy="4406900"/>
           </a:xfrm>
           <a:prstGeom prst="rect">
@@ -20436,10 +21155,167 @@
           </a:ln>
         </p:spPr>
       </p:pic>
+      <p:sp>
+        <p:nvSpPr>
+          <p:cNvPr id="2" name="向左箭號 1">
+            <a:extLst>
+              <a:ext uri="{FF2B5EF4-FFF2-40B4-BE49-F238E27FC236}">
+                <a16:creationId xmlns:a16="http://schemas.microsoft.com/office/drawing/2014/main" id="{BFC3D422-2F13-2A44-82DA-C6CBD7C86DAC}"/>
+              </a:ext>
+            </a:extLst>
+          </p:cNvPr>
+          <p:cNvSpPr/>
+          <p:nvPr/>
+        </p:nvSpPr>
+        <p:spPr>
+          <a:xfrm>
+            <a:off x="6682315" y="2532760"/>
+            <a:ext cx="531627" cy="255181"/>
+          </a:xfrm>
+          <a:prstGeom prst="leftArrow">
+            <a:avLst/>
+          </a:prstGeom>
+        </p:spPr>
+        <p:style>
+          <a:lnRef idx="2">
+            <a:schemeClr val="accent1">
+              <a:shade val="50000"/>
+            </a:schemeClr>
+          </a:lnRef>
+          <a:fillRef idx="1">
+            <a:schemeClr val="accent1"/>
+          </a:fillRef>
+          <a:effectRef idx="0">
+            <a:schemeClr val="accent1"/>
+          </a:effectRef>
+          <a:fontRef idx="minor">
+            <a:schemeClr val="lt1"/>
+          </a:fontRef>
+        </p:style>
+        <p:txBody>
+          <a:bodyPr rtlCol="0" anchor="ctr"/>
+          <a:lstStyle/>
+          <a:p>
+            <a:pPr algn="ctr"/>
+            <a:endParaRPr kumimoji="1" lang="zh-TW" altLang="en-US"/>
+          </a:p>
+        </p:txBody>
+      </p:sp>
     </p:spTree>
     <p:extLst>
       <p:ext uri="{BB962C8B-B14F-4D97-AF65-F5344CB8AC3E}">
         <p14:creationId xmlns:p14="http://schemas.microsoft.com/office/powerpoint/2010/main" val="2225983790"/>
+      </p:ext>
+    </p:extLst>
+  </p:cSld>
+  <p:clrMapOvr>
+    <a:masterClrMapping/>
+  </p:clrMapOvr>
+</p:sld>
+</file>
+
+<file path=ppt/slides/slide16.xml><?xml version="1.0" encoding="utf-8"?>
+<p:sld xmlns:a="http://schemas.openxmlformats.org/drawingml/2006/main" xmlns:r="http://schemas.openxmlformats.org/officeDocument/2006/relationships" xmlns:p="http://schemas.openxmlformats.org/presentationml/2006/main">
+  <p:cSld>
+    <p:spTree>
+      <p:nvGrpSpPr>
+        <p:cNvPr id="1" name=""/>
+        <p:cNvGrpSpPr/>
+        <p:nvPr/>
+      </p:nvGrpSpPr>
+      <p:grpSpPr>
+        <a:xfrm>
+          <a:off x="0" y="0"/>
+          <a:ext cx="0" cy="0"/>
+          <a:chOff x="0" y="0"/>
+          <a:chExt cx="0" cy="0"/>
+        </a:xfrm>
+      </p:grpSpPr>
+      <p:pic>
+        <p:nvPicPr>
+          <p:cNvPr id="2" name="圖片 1">
+            <a:extLst>
+              <a:ext uri="{FF2B5EF4-FFF2-40B4-BE49-F238E27FC236}">
+                <a16:creationId xmlns:a16="http://schemas.microsoft.com/office/drawing/2014/main" id="{771D2715-275A-C040-9CCF-E7887447830F}"/>
+              </a:ext>
+            </a:extLst>
+          </p:cNvPr>
+          <p:cNvPicPr>
+            <a:picLocks noChangeAspect="1"/>
+          </p:cNvPicPr>
+          <p:nvPr/>
+        </p:nvPicPr>
+        <p:blipFill>
+          <a:blip r:embed="rId2"/>
+          <a:stretch>
+            <a:fillRect/>
+          </a:stretch>
+        </p:blipFill>
+        <p:spPr>
+          <a:xfrm>
+            <a:off x="151748" y="437081"/>
+            <a:ext cx="8242300" cy="3695700"/>
+          </a:xfrm>
+          <a:prstGeom prst="rect">
+            <a:avLst/>
+          </a:prstGeom>
+          <a:ln>
+            <a:solidFill>
+              <a:schemeClr val="accent2"/>
+            </a:solidFill>
+          </a:ln>
+        </p:spPr>
+      </p:pic>
+      <p:sp>
+        <p:nvSpPr>
+          <p:cNvPr id="3" name="向左箭號 2">
+            <a:extLst>
+              <a:ext uri="{FF2B5EF4-FFF2-40B4-BE49-F238E27FC236}">
+                <a16:creationId xmlns:a16="http://schemas.microsoft.com/office/drawing/2014/main" id="{A83A2C1F-81ED-6C48-8B89-F68193451170}"/>
+              </a:ext>
+            </a:extLst>
+          </p:cNvPr>
+          <p:cNvSpPr/>
+          <p:nvPr/>
+        </p:nvSpPr>
+        <p:spPr>
+          <a:xfrm>
+            <a:off x="8460625" y="2660947"/>
+            <a:ext cx="531627" cy="255181"/>
+          </a:xfrm>
+          <a:prstGeom prst="leftArrow">
+            <a:avLst/>
+          </a:prstGeom>
+        </p:spPr>
+        <p:style>
+          <a:lnRef idx="2">
+            <a:schemeClr val="accent1">
+              <a:shade val="50000"/>
+            </a:schemeClr>
+          </a:lnRef>
+          <a:fillRef idx="1">
+            <a:schemeClr val="accent1"/>
+          </a:fillRef>
+          <a:effectRef idx="0">
+            <a:schemeClr val="accent1"/>
+          </a:effectRef>
+          <a:fontRef idx="minor">
+            <a:schemeClr val="lt1"/>
+          </a:fontRef>
+        </p:style>
+        <p:txBody>
+          <a:bodyPr rtlCol="0" anchor="ctr"/>
+          <a:lstStyle/>
+          <a:p>
+            <a:pPr algn="ctr"/>
+            <a:endParaRPr kumimoji="1" lang="zh-TW" altLang="en-US"/>
+          </a:p>
+        </p:txBody>
+      </p:sp>
+    </p:spTree>
+    <p:extLst>
+      <p:ext uri="{BB962C8B-B14F-4D97-AF65-F5344CB8AC3E}">
+        <p14:creationId xmlns:p14="http://schemas.microsoft.com/office/powerpoint/2010/main" val="4209344644"/>
       </p:ext>
     </p:extLst>
   </p:cSld>
@@ -20516,6 +21392,10 @@
             <a:r>
               <a:rPr lang="zh-TW" altLang="en-US" sz="2400" b="1" dirty="0"/>
               <a:t>矩陣反轉</a:t>
+            </a:r>
+            <a:r>
+              <a:rPr lang="en-US" altLang="zh-TW" sz="2400" b="1" dirty="0"/>
+              <a:t> (transpose)</a:t>
             </a:r>
             <a:br>
               <a:rPr lang="zh-TW" altLang="en-US" sz="2400" b="1" dirty="0"/>
@@ -20618,6 +21498,1049 @@
           </a:prstGeom>
         </p:spPr>
       </p:pic>
+      <p:sp>
+        <p:nvSpPr>
+          <p:cNvPr id="2" name="矩形 1">
+            <a:extLst>
+              <a:ext uri="{FF2B5EF4-FFF2-40B4-BE49-F238E27FC236}">
+                <a16:creationId xmlns:a16="http://schemas.microsoft.com/office/drawing/2014/main" id="{AB826F4F-56A7-3D47-BDE3-84EA913BB9F9}"/>
+              </a:ext>
+            </a:extLst>
+          </p:cNvPr>
+          <p:cNvSpPr/>
+          <p:nvPr/>
+        </p:nvSpPr>
+        <p:spPr>
+          <a:xfrm>
+            <a:off x="649480" y="2196269"/>
+            <a:ext cx="760576" cy="196553"/>
+          </a:xfrm>
+          <a:prstGeom prst="rect">
+            <a:avLst/>
+          </a:prstGeom>
+          <a:noFill/>
+        </p:spPr>
+        <p:style>
+          <a:lnRef idx="2">
+            <a:schemeClr val="accent1">
+              <a:shade val="50000"/>
+            </a:schemeClr>
+          </a:lnRef>
+          <a:fillRef idx="1">
+            <a:schemeClr val="accent1"/>
+          </a:fillRef>
+          <a:effectRef idx="0">
+            <a:schemeClr val="accent1"/>
+          </a:effectRef>
+          <a:fontRef idx="minor">
+            <a:schemeClr val="lt1"/>
+          </a:fontRef>
+        </p:style>
+        <p:txBody>
+          <a:bodyPr rtlCol="0" anchor="ctr"/>
+          <a:lstStyle/>
+          <a:p>
+            <a:pPr algn="ctr"/>
+            <a:endParaRPr kumimoji="1" lang="zh-TW" altLang="en-US"/>
+          </a:p>
+        </p:txBody>
+      </p:sp>
+      <p:sp>
+        <p:nvSpPr>
+          <p:cNvPr id="4" name="矩形 3">
+            <a:extLst>
+              <a:ext uri="{FF2B5EF4-FFF2-40B4-BE49-F238E27FC236}">
+                <a16:creationId xmlns:a16="http://schemas.microsoft.com/office/drawing/2014/main" id="{753BA301-36D4-7548-B49D-9A0940B0BD0A}"/>
+              </a:ext>
+            </a:extLst>
+          </p:cNvPr>
+          <p:cNvSpPr/>
+          <p:nvPr/>
+        </p:nvSpPr>
+        <p:spPr>
+          <a:xfrm>
+            <a:off x="649480" y="2434126"/>
+            <a:ext cx="760576" cy="676543"/>
+          </a:xfrm>
+          <a:prstGeom prst="rect">
+            <a:avLst/>
+          </a:prstGeom>
+          <a:noFill/>
+          <a:ln>
+            <a:solidFill>
+              <a:srgbClr val="00B050"/>
+            </a:solidFill>
+          </a:ln>
+        </p:spPr>
+        <p:style>
+          <a:lnRef idx="2">
+            <a:schemeClr val="accent1">
+              <a:shade val="50000"/>
+            </a:schemeClr>
+          </a:lnRef>
+          <a:fillRef idx="1">
+            <a:schemeClr val="accent1"/>
+          </a:fillRef>
+          <a:effectRef idx="0">
+            <a:schemeClr val="accent1"/>
+          </a:effectRef>
+          <a:fontRef idx="minor">
+            <a:schemeClr val="lt1"/>
+          </a:fontRef>
+        </p:style>
+        <p:txBody>
+          <a:bodyPr rtlCol="0" anchor="ctr"/>
+          <a:lstStyle/>
+          <a:p>
+            <a:pPr algn="ctr"/>
+            <a:endParaRPr kumimoji="1" lang="zh-TW" altLang="en-US"/>
+          </a:p>
+        </p:txBody>
+      </p:sp>
+      <p:graphicFrame>
+        <p:nvGraphicFramePr>
+          <p:cNvPr id="3" name="表格 2">
+            <a:extLst>
+              <a:ext uri="{FF2B5EF4-FFF2-40B4-BE49-F238E27FC236}">
+                <a16:creationId xmlns:a16="http://schemas.microsoft.com/office/drawing/2014/main" id="{412CCAB6-C408-4340-902B-D5EEB69C93FE}"/>
+              </a:ext>
+            </a:extLst>
+          </p:cNvPr>
+          <p:cNvGraphicFramePr>
+            <a:graphicFrameLocks noGrp="1"/>
+          </p:cNvGraphicFramePr>
+          <p:nvPr>
+            <p:extLst>
+              <p:ext uri="{D42A27DB-BD31-4B8C-83A1-F6EECF244321}">
+                <p14:modId xmlns:p14="http://schemas.microsoft.com/office/powerpoint/2010/main" val="3254453077"/>
+              </p:ext>
+            </p:extLst>
+          </p:nvPr>
+        </p:nvGraphicFramePr>
+        <p:xfrm>
+          <a:off x="1956392" y="2294545"/>
+          <a:ext cx="863720" cy="903576"/>
+        </p:xfrm>
+        <a:graphic>
+          <a:graphicData uri="http://schemas.openxmlformats.org/drawingml/2006/table">
+            <a:tbl>
+              <a:tblPr>
+                <a:tableStyleId>{5C22544A-7EE6-4342-B048-85BDC9FD1C3A}</a:tableStyleId>
+              </a:tblPr>
+              <a:tblGrid>
+                <a:gridCol w="431860">
+                  <a:extLst>
+                    <a:ext uri="{9D8B030D-6E8A-4147-A177-3AD203B41FA5}">
+                      <a16:colId xmlns:a16="http://schemas.microsoft.com/office/drawing/2014/main" val="3189781785"/>
+                    </a:ext>
+                  </a:extLst>
+                </a:gridCol>
+                <a:gridCol w="431860">
+                  <a:extLst>
+                    <a:ext uri="{9D8B030D-6E8A-4147-A177-3AD203B41FA5}">
+                      <a16:colId xmlns:a16="http://schemas.microsoft.com/office/drawing/2014/main" val="432834141"/>
+                    </a:ext>
+                  </a:extLst>
+                </a:gridCol>
+              </a:tblGrid>
+              <a:tr h="301192">
+                <a:tc>
+                  <a:txBody>
+                    <a:bodyPr/>
+                    <a:lstStyle/>
+                    <a:p>
+                      <a:pPr algn="ctr"/>
+                      <a:r>
+                        <a:rPr lang="en-US" altLang="zh-TW" sz="1200" dirty="0"/>
+                        <a:t>4</a:t>
+                      </a:r>
+                      <a:endParaRPr lang="zh-TW" altLang="en-US" sz="1200" dirty="0"/>
+                    </a:p>
+                  </a:txBody>
+                  <a:tcPr/>
+                </a:tc>
+                <a:tc>
+                  <a:txBody>
+                    <a:bodyPr/>
+                    <a:lstStyle/>
+                    <a:p>
+                      <a:pPr algn="ctr"/>
+                      <a:r>
+                        <a:rPr lang="en-US" altLang="zh-TW" sz="1200" dirty="0">
+                          <a:solidFill>
+                            <a:srgbClr val="FF0000"/>
+                          </a:solidFill>
+                        </a:rPr>
+                        <a:t>6</a:t>
+                      </a:r>
+                      <a:endParaRPr lang="zh-TW" altLang="en-US" sz="1200" dirty="0">
+                        <a:solidFill>
+                          <a:srgbClr val="FF0000"/>
+                        </a:solidFill>
+                      </a:endParaRPr>
+                    </a:p>
+                  </a:txBody>
+                  <a:tcPr/>
+                </a:tc>
+                <a:extLst>
+                  <a:ext uri="{0D108BD9-81ED-4DB2-BD59-A6C34878D82A}">
+                    <a16:rowId xmlns:a16="http://schemas.microsoft.com/office/drawing/2014/main" val="2220042247"/>
+                  </a:ext>
+                </a:extLst>
+              </a:tr>
+              <a:tr h="301192">
+                <a:tc>
+                  <a:txBody>
+                    <a:bodyPr/>
+                    <a:lstStyle/>
+                    <a:p>
+                      <a:pPr algn="ctr"/>
+                      <a:r>
+                        <a:rPr lang="en-US" altLang="zh-TW" sz="1200" dirty="0"/>
+                        <a:t>7</a:t>
+                      </a:r>
+                      <a:endParaRPr lang="zh-TW" altLang="en-US" sz="1200" dirty="0"/>
+                    </a:p>
+                  </a:txBody>
+                  <a:tcPr/>
+                </a:tc>
+                <a:tc>
+                  <a:txBody>
+                    <a:bodyPr/>
+                    <a:lstStyle/>
+                    <a:p>
+                      <a:pPr algn="ctr"/>
+                      <a:r>
+                        <a:rPr lang="en-US" altLang="zh-TW" sz="1200" dirty="0">
+                          <a:solidFill>
+                            <a:srgbClr val="FF0000"/>
+                          </a:solidFill>
+                        </a:rPr>
+                        <a:t>8</a:t>
+                      </a:r>
+                      <a:endParaRPr lang="zh-TW" altLang="en-US" sz="1200" dirty="0">
+                        <a:solidFill>
+                          <a:srgbClr val="FF0000"/>
+                        </a:solidFill>
+                      </a:endParaRPr>
+                    </a:p>
+                  </a:txBody>
+                  <a:tcPr/>
+                </a:tc>
+                <a:extLst>
+                  <a:ext uri="{0D108BD9-81ED-4DB2-BD59-A6C34878D82A}">
+                    <a16:rowId xmlns:a16="http://schemas.microsoft.com/office/drawing/2014/main" val="2424735000"/>
+                  </a:ext>
+                </a:extLst>
+              </a:tr>
+              <a:tr h="301192">
+                <a:tc>
+                  <a:txBody>
+                    <a:bodyPr/>
+                    <a:lstStyle/>
+                    <a:p>
+                      <a:pPr algn="ctr"/>
+                      <a:r>
+                        <a:rPr lang="en-US" altLang="zh-TW" sz="1200" dirty="0"/>
+                        <a:t>4</a:t>
+                      </a:r>
+                      <a:endParaRPr lang="zh-TW" altLang="en-US" sz="1200" dirty="0"/>
+                    </a:p>
+                  </a:txBody>
+                  <a:tcPr/>
+                </a:tc>
+                <a:tc>
+                  <a:txBody>
+                    <a:bodyPr/>
+                    <a:lstStyle/>
+                    <a:p>
+                      <a:pPr algn="ctr"/>
+                      <a:r>
+                        <a:rPr lang="en-US" altLang="zh-TW" sz="1200" dirty="0">
+                          <a:solidFill>
+                            <a:srgbClr val="FF0000"/>
+                          </a:solidFill>
+                        </a:rPr>
+                        <a:t>6</a:t>
+                      </a:r>
+                      <a:endParaRPr lang="zh-TW" altLang="en-US" sz="1200" dirty="0">
+                        <a:solidFill>
+                          <a:srgbClr val="FF0000"/>
+                        </a:solidFill>
+                      </a:endParaRPr>
+                    </a:p>
+                  </a:txBody>
+                  <a:tcPr/>
+                </a:tc>
+                <a:extLst>
+                  <a:ext uri="{0D108BD9-81ED-4DB2-BD59-A6C34878D82A}">
+                    <a16:rowId xmlns:a16="http://schemas.microsoft.com/office/drawing/2014/main" val="3222223714"/>
+                  </a:ext>
+                </a:extLst>
+              </a:tr>
+            </a:tbl>
+          </a:graphicData>
+        </a:graphic>
+      </p:graphicFrame>
+      <p:graphicFrame>
+        <p:nvGraphicFramePr>
+          <p:cNvPr id="6" name="表格 5">
+            <a:extLst>
+              <a:ext uri="{FF2B5EF4-FFF2-40B4-BE49-F238E27FC236}">
+                <a16:creationId xmlns:a16="http://schemas.microsoft.com/office/drawing/2014/main" id="{6DFD25F7-F00E-A042-8C0E-6492BEFFE824}"/>
+              </a:ext>
+            </a:extLst>
+          </p:cNvPr>
+          <p:cNvGraphicFramePr>
+            <a:graphicFrameLocks noGrp="1"/>
+          </p:cNvGraphicFramePr>
+          <p:nvPr>
+            <p:extLst>
+              <p:ext uri="{D42A27DB-BD31-4B8C-83A1-F6EECF244321}">
+                <p14:modId xmlns:p14="http://schemas.microsoft.com/office/powerpoint/2010/main" val="3401544343"/>
+              </p:ext>
+            </p:extLst>
+          </p:nvPr>
+        </p:nvGraphicFramePr>
+        <p:xfrm>
+          <a:off x="5108365" y="1655083"/>
+          <a:ext cx="1044606" cy="602384"/>
+        </p:xfrm>
+        <a:graphic>
+          <a:graphicData uri="http://schemas.openxmlformats.org/drawingml/2006/table">
+            <a:tbl>
+              <a:tblPr>
+                <a:tableStyleId>{5C22544A-7EE6-4342-B048-85BDC9FD1C3A}</a:tableStyleId>
+              </a:tblPr>
+              <a:tblGrid>
+                <a:gridCol w="348202">
+                  <a:extLst>
+                    <a:ext uri="{9D8B030D-6E8A-4147-A177-3AD203B41FA5}">
+                      <a16:colId xmlns:a16="http://schemas.microsoft.com/office/drawing/2014/main" val="3189781785"/>
+                    </a:ext>
+                  </a:extLst>
+                </a:gridCol>
+                <a:gridCol w="348202">
+                  <a:extLst>
+                    <a:ext uri="{9D8B030D-6E8A-4147-A177-3AD203B41FA5}">
+                      <a16:colId xmlns:a16="http://schemas.microsoft.com/office/drawing/2014/main" val="432834141"/>
+                    </a:ext>
+                  </a:extLst>
+                </a:gridCol>
+                <a:gridCol w="348202">
+                  <a:extLst>
+                    <a:ext uri="{9D8B030D-6E8A-4147-A177-3AD203B41FA5}">
+                      <a16:colId xmlns:a16="http://schemas.microsoft.com/office/drawing/2014/main" val="1052487791"/>
+                    </a:ext>
+                  </a:extLst>
+                </a:gridCol>
+              </a:tblGrid>
+              <a:tr h="301192">
+                <a:tc>
+                  <a:txBody>
+                    <a:bodyPr/>
+                    <a:lstStyle/>
+                    <a:p>
+                      <a:pPr algn="ctr"/>
+                      <a:r>
+                        <a:rPr lang="en-US" altLang="zh-TW" sz="1200" dirty="0"/>
+                        <a:t>4</a:t>
+                      </a:r>
+                      <a:endParaRPr lang="zh-TW" altLang="en-US" sz="1200" dirty="0"/>
+                    </a:p>
+                  </a:txBody>
+                  <a:tcPr/>
+                </a:tc>
+                <a:tc>
+                  <a:txBody>
+                    <a:bodyPr/>
+                    <a:lstStyle/>
+                    <a:p>
+                      <a:pPr algn="ctr"/>
+                      <a:r>
+                        <a:rPr lang="en-US" altLang="zh-TW" sz="1200" dirty="0"/>
+                        <a:t>7</a:t>
+                      </a:r>
+                      <a:endParaRPr lang="zh-TW" altLang="en-US" sz="1200" dirty="0"/>
+                    </a:p>
+                  </a:txBody>
+                  <a:tcPr/>
+                </a:tc>
+                <a:tc>
+                  <a:txBody>
+                    <a:bodyPr/>
+                    <a:lstStyle/>
+                    <a:p>
+                      <a:pPr algn="ctr"/>
+                      <a:r>
+                        <a:rPr lang="en-US" altLang="zh-TW" sz="1200" dirty="0"/>
+                        <a:t>4</a:t>
+                      </a:r>
+                      <a:endParaRPr lang="zh-TW" altLang="en-US" sz="1200" dirty="0"/>
+                    </a:p>
+                  </a:txBody>
+                  <a:tcPr/>
+                </a:tc>
+                <a:extLst>
+                  <a:ext uri="{0D108BD9-81ED-4DB2-BD59-A6C34878D82A}">
+                    <a16:rowId xmlns:a16="http://schemas.microsoft.com/office/drawing/2014/main" val="2220042247"/>
+                  </a:ext>
+                </a:extLst>
+              </a:tr>
+              <a:tr h="301192">
+                <a:tc>
+                  <a:txBody>
+                    <a:bodyPr/>
+                    <a:lstStyle/>
+                    <a:p>
+                      <a:pPr algn="ctr"/>
+                      <a:r>
+                        <a:rPr lang="en-US" altLang="zh-TW" sz="1200" dirty="0">
+                          <a:solidFill>
+                            <a:srgbClr val="FF0000"/>
+                          </a:solidFill>
+                        </a:rPr>
+                        <a:t>6</a:t>
+                      </a:r>
+                      <a:endParaRPr lang="zh-TW" altLang="en-US" sz="1200" dirty="0">
+                        <a:solidFill>
+                          <a:srgbClr val="FF0000"/>
+                        </a:solidFill>
+                      </a:endParaRPr>
+                    </a:p>
+                  </a:txBody>
+                  <a:tcPr/>
+                </a:tc>
+                <a:tc>
+                  <a:txBody>
+                    <a:bodyPr/>
+                    <a:lstStyle/>
+                    <a:p>
+                      <a:pPr algn="ctr"/>
+                      <a:r>
+                        <a:rPr lang="en-US" altLang="zh-TW" sz="1200" dirty="0">
+                          <a:solidFill>
+                            <a:srgbClr val="FF0000"/>
+                          </a:solidFill>
+                        </a:rPr>
+                        <a:t>8</a:t>
+                      </a:r>
+                      <a:endParaRPr lang="zh-TW" altLang="en-US" sz="1200" dirty="0">
+                        <a:solidFill>
+                          <a:srgbClr val="FF0000"/>
+                        </a:solidFill>
+                      </a:endParaRPr>
+                    </a:p>
+                  </a:txBody>
+                  <a:tcPr/>
+                </a:tc>
+                <a:tc>
+                  <a:txBody>
+                    <a:bodyPr/>
+                    <a:lstStyle/>
+                    <a:p>
+                      <a:pPr algn="ctr"/>
+                      <a:r>
+                        <a:rPr lang="en-US" altLang="zh-TW" sz="1200" dirty="0">
+                          <a:solidFill>
+                            <a:srgbClr val="FF0000"/>
+                          </a:solidFill>
+                        </a:rPr>
+                        <a:t>6</a:t>
+                      </a:r>
+                      <a:endParaRPr lang="zh-TW" altLang="en-US" sz="1200" dirty="0">
+                        <a:solidFill>
+                          <a:srgbClr val="FF0000"/>
+                        </a:solidFill>
+                      </a:endParaRPr>
+                    </a:p>
+                  </a:txBody>
+                  <a:tcPr/>
+                </a:tc>
+                <a:extLst>
+                  <a:ext uri="{0D108BD9-81ED-4DB2-BD59-A6C34878D82A}">
+                    <a16:rowId xmlns:a16="http://schemas.microsoft.com/office/drawing/2014/main" val="2424735000"/>
+                  </a:ext>
+                </a:extLst>
+              </a:tr>
+            </a:tbl>
+          </a:graphicData>
+        </a:graphic>
+      </p:graphicFrame>
+      <p:sp>
+        <p:nvSpPr>
+          <p:cNvPr id="8" name="矩形 7">
+            <a:extLst>
+              <a:ext uri="{FF2B5EF4-FFF2-40B4-BE49-F238E27FC236}">
+                <a16:creationId xmlns:a16="http://schemas.microsoft.com/office/drawing/2014/main" id="{D354F2C2-E45C-7841-940F-9531A55C8E90}"/>
+              </a:ext>
+            </a:extLst>
+          </p:cNvPr>
+          <p:cNvSpPr/>
+          <p:nvPr/>
+        </p:nvSpPr>
+        <p:spPr>
+          <a:xfrm>
+            <a:off x="3862700" y="1716280"/>
+            <a:ext cx="760576" cy="479990"/>
+          </a:xfrm>
+          <a:prstGeom prst="rect">
+            <a:avLst/>
+          </a:prstGeom>
+          <a:noFill/>
+          <a:ln>
+            <a:solidFill>
+              <a:srgbClr val="00B050"/>
+            </a:solidFill>
+          </a:ln>
+        </p:spPr>
+        <p:style>
+          <a:lnRef idx="2">
+            <a:schemeClr val="accent1">
+              <a:shade val="50000"/>
+            </a:schemeClr>
+          </a:lnRef>
+          <a:fillRef idx="1">
+            <a:schemeClr val="accent1"/>
+          </a:fillRef>
+          <a:effectRef idx="0">
+            <a:schemeClr val="accent1"/>
+          </a:effectRef>
+          <a:fontRef idx="minor">
+            <a:schemeClr val="lt1"/>
+          </a:fontRef>
+        </p:style>
+        <p:txBody>
+          <a:bodyPr rtlCol="0" anchor="ctr"/>
+          <a:lstStyle/>
+          <a:p>
+            <a:pPr algn="ctr"/>
+            <a:endParaRPr kumimoji="1" lang="zh-TW" altLang="en-US"/>
+          </a:p>
+        </p:txBody>
+      </p:sp>
+      <p:graphicFrame>
+        <p:nvGraphicFramePr>
+          <p:cNvPr id="9" name="表格 8">
+            <a:extLst>
+              <a:ext uri="{FF2B5EF4-FFF2-40B4-BE49-F238E27FC236}">
+                <a16:creationId xmlns:a16="http://schemas.microsoft.com/office/drawing/2014/main" id="{C90D9B2A-1D31-3D4A-8F84-3E6A228A4BA0}"/>
+              </a:ext>
+            </a:extLst>
+          </p:cNvPr>
+          <p:cNvGraphicFramePr>
+            <a:graphicFrameLocks noGrp="1"/>
+          </p:cNvGraphicFramePr>
+          <p:nvPr>
+            <p:extLst>
+              <p:ext uri="{D42A27DB-BD31-4B8C-83A1-F6EECF244321}">
+                <p14:modId xmlns:p14="http://schemas.microsoft.com/office/powerpoint/2010/main" val="3890967459"/>
+              </p:ext>
+            </p:extLst>
+          </p:nvPr>
+        </p:nvGraphicFramePr>
+        <p:xfrm>
+          <a:off x="1956390" y="3307818"/>
+          <a:ext cx="1376469" cy="903576"/>
+        </p:xfrm>
+        <a:graphic>
+          <a:graphicData uri="http://schemas.openxmlformats.org/drawingml/2006/table">
+            <a:tbl>
+              <a:tblPr>
+                <a:tableStyleId>{5C22544A-7EE6-4342-B048-85BDC9FD1C3A}</a:tableStyleId>
+              </a:tblPr>
+              <a:tblGrid>
+                <a:gridCol w="458823">
+                  <a:extLst>
+                    <a:ext uri="{9D8B030D-6E8A-4147-A177-3AD203B41FA5}">
+                      <a16:colId xmlns:a16="http://schemas.microsoft.com/office/drawing/2014/main" val="3189781785"/>
+                    </a:ext>
+                  </a:extLst>
+                </a:gridCol>
+                <a:gridCol w="458823">
+                  <a:extLst>
+                    <a:ext uri="{9D8B030D-6E8A-4147-A177-3AD203B41FA5}">
+                      <a16:colId xmlns:a16="http://schemas.microsoft.com/office/drawing/2014/main" val="432834141"/>
+                    </a:ext>
+                  </a:extLst>
+                </a:gridCol>
+                <a:gridCol w="458823">
+                  <a:extLst>
+                    <a:ext uri="{9D8B030D-6E8A-4147-A177-3AD203B41FA5}">
+                      <a16:colId xmlns:a16="http://schemas.microsoft.com/office/drawing/2014/main" val="1848688483"/>
+                    </a:ext>
+                  </a:extLst>
+                </a:gridCol>
+              </a:tblGrid>
+              <a:tr h="301192">
+                <a:tc>
+                  <a:txBody>
+                    <a:bodyPr/>
+                    <a:lstStyle/>
+                    <a:p>
+                      <a:pPr algn="ctr"/>
+                      <a:r>
+                        <a:rPr lang="en-US" altLang="zh-TW" sz="1200" dirty="0"/>
+                        <a:t>A00</a:t>
+                      </a:r>
+                      <a:endParaRPr lang="zh-TW" altLang="en-US" sz="1200" dirty="0"/>
+                    </a:p>
+                  </a:txBody>
+                  <a:tcPr/>
+                </a:tc>
+                <a:tc>
+                  <a:txBody>
+                    <a:bodyPr/>
+                    <a:lstStyle/>
+                    <a:p>
+                      <a:pPr algn="ctr"/>
+                      <a:r>
+                        <a:rPr lang="en-US" altLang="zh-TW" sz="1200" dirty="0">
+                          <a:solidFill>
+                            <a:srgbClr val="FF0000"/>
+                          </a:solidFill>
+                        </a:rPr>
+                        <a:t>A01</a:t>
+                      </a:r>
+                      <a:endParaRPr lang="zh-TW" altLang="en-US" sz="1200" dirty="0">
+                        <a:solidFill>
+                          <a:srgbClr val="FF0000"/>
+                        </a:solidFill>
+                      </a:endParaRPr>
+                    </a:p>
+                  </a:txBody>
+                  <a:tcPr/>
+                </a:tc>
+                <a:tc>
+                  <a:txBody>
+                    <a:bodyPr/>
+                    <a:lstStyle/>
+                    <a:p>
+                      <a:pPr algn="ctr"/>
+                      <a:r>
+                        <a:rPr lang="en-US" altLang="zh-TW" sz="1200" dirty="0">
+                          <a:solidFill>
+                            <a:srgbClr val="0070C0"/>
+                          </a:solidFill>
+                        </a:rPr>
+                        <a:t>A02</a:t>
+                      </a:r>
+                      <a:endParaRPr lang="zh-TW" altLang="en-US" sz="1200" dirty="0">
+                        <a:solidFill>
+                          <a:srgbClr val="0070C0"/>
+                        </a:solidFill>
+                      </a:endParaRPr>
+                    </a:p>
+                  </a:txBody>
+                  <a:tcPr/>
+                </a:tc>
+                <a:extLst>
+                  <a:ext uri="{0D108BD9-81ED-4DB2-BD59-A6C34878D82A}">
+                    <a16:rowId xmlns:a16="http://schemas.microsoft.com/office/drawing/2014/main" val="2220042247"/>
+                  </a:ext>
+                </a:extLst>
+              </a:tr>
+              <a:tr h="301192">
+                <a:tc>
+                  <a:txBody>
+                    <a:bodyPr/>
+                    <a:lstStyle/>
+                    <a:p>
+                      <a:pPr algn="ctr"/>
+                      <a:r>
+                        <a:rPr lang="en-US" altLang="zh-TW" sz="1200" dirty="0"/>
+                        <a:t>A10</a:t>
+                      </a:r>
+                      <a:endParaRPr lang="zh-TW" altLang="en-US" sz="1200" dirty="0"/>
+                    </a:p>
+                  </a:txBody>
+                  <a:tcPr/>
+                </a:tc>
+                <a:tc>
+                  <a:txBody>
+                    <a:bodyPr/>
+                    <a:lstStyle/>
+                    <a:p>
+                      <a:pPr algn="ctr"/>
+                      <a:r>
+                        <a:rPr lang="en-US" altLang="zh-TW" sz="1200" dirty="0">
+                          <a:solidFill>
+                            <a:srgbClr val="FF0000"/>
+                          </a:solidFill>
+                        </a:rPr>
+                        <a:t>A11</a:t>
+                      </a:r>
+                      <a:endParaRPr lang="zh-TW" altLang="en-US" sz="1200" dirty="0">
+                        <a:solidFill>
+                          <a:srgbClr val="FF0000"/>
+                        </a:solidFill>
+                      </a:endParaRPr>
+                    </a:p>
+                  </a:txBody>
+                  <a:tcPr/>
+                </a:tc>
+                <a:tc>
+                  <a:txBody>
+                    <a:bodyPr/>
+                    <a:lstStyle/>
+                    <a:p>
+                      <a:pPr algn="ctr"/>
+                      <a:r>
+                        <a:rPr lang="en-US" altLang="zh-TW" sz="1200" dirty="0">
+                          <a:solidFill>
+                            <a:srgbClr val="0070C0"/>
+                          </a:solidFill>
+                        </a:rPr>
+                        <a:t>A12</a:t>
+                      </a:r>
+                      <a:endParaRPr lang="zh-TW" altLang="en-US" sz="1200" dirty="0">
+                        <a:solidFill>
+                          <a:srgbClr val="0070C0"/>
+                        </a:solidFill>
+                      </a:endParaRPr>
+                    </a:p>
+                  </a:txBody>
+                  <a:tcPr/>
+                </a:tc>
+                <a:extLst>
+                  <a:ext uri="{0D108BD9-81ED-4DB2-BD59-A6C34878D82A}">
+                    <a16:rowId xmlns:a16="http://schemas.microsoft.com/office/drawing/2014/main" val="2424735000"/>
+                  </a:ext>
+                </a:extLst>
+              </a:tr>
+              <a:tr h="301192">
+                <a:tc>
+                  <a:txBody>
+                    <a:bodyPr/>
+                    <a:lstStyle/>
+                    <a:p>
+                      <a:pPr algn="ctr"/>
+                      <a:r>
+                        <a:rPr lang="en-US" altLang="zh-TW" sz="1200" dirty="0"/>
+                        <a:t>A20</a:t>
+                      </a:r>
+                      <a:endParaRPr lang="zh-TW" altLang="en-US" sz="1200" dirty="0"/>
+                    </a:p>
+                  </a:txBody>
+                  <a:tcPr/>
+                </a:tc>
+                <a:tc>
+                  <a:txBody>
+                    <a:bodyPr/>
+                    <a:lstStyle/>
+                    <a:p>
+                      <a:pPr algn="ctr"/>
+                      <a:r>
+                        <a:rPr lang="en-US" altLang="zh-TW" sz="1200" dirty="0">
+                          <a:solidFill>
+                            <a:srgbClr val="FF0000"/>
+                          </a:solidFill>
+                        </a:rPr>
+                        <a:t>A21</a:t>
+                      </a:r>
+                      <a:endParaRPr lang="zh-TW" altLang="en-US" sz="1200" dirty="0">
+                        <a:solidFill>
+                          <a:srgbClr val="FF0000"/>
+                        </a:solidFill>
+                      </a:endParaRPr>
+                    </a:p>
+                  </a:txBody>
+                  <a:tcPr/>
+                </a:tc>
+                <a:tc>
+                  <a:txBody>
+                    <a:bodyPr/>
+                    <a:lstStyle/>
+                    <a:p>
+                      <a:pPr algn="ctr"/>
+                      <a:r>
+                        <a:rPr lang="en-US" altLang="zh-TW" sz="1200" dirty="0">
+                          <a:solidFill>
+                            <a:srgbClr val="0070C0"/>
+                          </a:solidFill>
+                        </a:rPr>
+                        <a:t>A22</a:t>
+                      </a:r>
+                      <a:endParaRPr lang="zh-TW" altLang="en-US" sz="1200" dirty="0">
+                        <a:solidFill>
+                          <a:srgbClr val="0070C0"/>
+                        </a:solidFill>
+                      </a:endParaRPr>
+                    </a:p>
+                  </a:txBody>
+                  <a:tcPr/>
+                </a:tc>
+                <a:extLst>
+                  <a:ext uri="{0D108BD9-81ED-4DB2-BD59-A6C34878D82A}">
+                    <a16:rowId xmlns:a16="http://schemas.microsoft.com/office/drawing/2014/main" val="3222223714"/>
+                  </a:ext>
+                </a:extLst>
+              </a:tr>
+            </a:tbl>
+          </a:graphicData>
+        </a:graphic>
+      </p:graphicFrame>
+      <p:graphicFrame>
+        <p:nvGraphicFramePr>
+          <p:cNvPr id="10" name="表格 9">
+            <a:extLst>
+              <a:ext uri="{FF2B5EF4-FFF2-40B4-BE49-F238E27FC236}">
+                <a16:creationId xmlns:a16="http://schemas.microsoft.com/office/drawing/2014/main" id="{FC3EECEA-C8BB-AD4A-B2E0-0A8EFFCA8CDF}"/>
+              </a:ext>
+            </a:extLst>
+          </p:cNvPr>
+          <p:cNvGraphicFramePr>
+            <a:graphicFrameLocks noGrp="1"/>
+          </p:cNvGraphicFramePr>
+          <p:nvPr>
+            <p:extLst>
+              <p:ext uri="{D42A27DB-BD31-4B8C-83A1-F6EECF244321}">
+                <p14:modId xmlns:p14="http://schemas.microsoft.com/office/powerpoint/2010/main" val="1601012490"/>
+              </p:ext>
+            </p:extLst>
+          </p:nvPr>
+        </p:nvGraphicFramePr>
+        <p:xfrm>
+          <a:off x="5108365" y="2471205"/>
+          <a:ext cx="1480443" cy="903576"/>
+        </p:xfrm>
+        <a:graphic>
+          <a:graphicData uri="http://schemas.openxmlformats.org/drawingml/2006/table">
+            <a:tbl>
+              <a:tblPr>
+                <a:tableStyleId>{5C22544A-7EE6-4342-B048-85BDC9FD1C3A}</a:tableStyleId>
+              </a:tblPr>
+              <a:tblGrid>
+                <a:gridCol w="493481">
+                  <a:extLst>
+                    <a:ext uri="{9D8B030D-6E8A-4147-A177-3AD203B41FA5}">
+                      <a16:colId xmlns:a16="http://schemas.microsoft.com/office/drawing/2014/main" val="3189781785"/>
+                    </a:ext>
+                  </a:extLst>
+                </a:gridCol>
+                <a:gridCol w="493481">
+                  <a:extLst>
+                    <a:ext uri="{9D8B030D-6E8A-4147-A177-3AD203B41FA5}">
+                      <a16:colId xmlns:a16="http://schemas.microsoft.com/office/drawing/2014/main" val="432834141"/>
+                    </a:ext>
+                  </a:extLst>
+                </a:gridCol>
+                <a:gridCol w="493481">
+                  <a:extLst>
+                    <a:ext uri="{9D8B030D-6E8A-4147-A177-3AD203B41FA5}">
+                      <a16:colId xmlns:a16="http://schemas.microsoft.com/office/drawing/2014/main" val="1052487791"/>
+                    </a:ext>
+                  </a:extLst>
+                </a:gridCol>
+              </a:tblGrid>
+              <a:tr h="301192">
+                <a:tc>
+                  <a:txBody>
+                    <a:bodyPr/>
+                    <a:lstStyle/>
+                    <a:p>
+                      <a:pPr algn="ctr"/>
+                      <a:r>
+                        <a:rPr lang="en-US" altLang="zh-TW" sz="1200" dirty="0"/>
+                        <a:t>A00</a:t>
+                      </a:r>
+                      <a:endParaRPr lang="zh-TW" altLang="en-US" sz="1200" dirty="0"/>
+                    </a:p>
+                  </a:txBody>
+                  <a:tcPr/>
+                </a:tc>
+                <a:tc>
+                  <a:txBody>
+                    <a:bodyPr/>
+                    <a:lstStyle/>
+                    <a:p>
+                      <a:pPr algn="ctr"/>
+                      <a:r>
+                        <a:rPr lang="en-US" altLang="zh-TW" sz="1200" dirty="0"/>
+                        <a:t>A10</a:t>
+                      </a:r>
+                      <a:endParaRPr lang="zh-TW" altLang="en-US" sz="1200" dirty="0"/>
+                    </a:p>
+                  </a:txBody>
+                  <a:tcPr/>
+                </a:tc>
+                <a:tc>
+                  <a:txBody>
+                    <a:bodyPr/>
+                    <a:lstStyle/>
+                    <a:p>
+                      <a:pPr algn="ctr"/>
+                      <a:r>
+                        <a:rPr lang="en-US" altLang="zh-TW" sz="1200" dirty="0"/>
+                        <a:t>A20</a:t>
+                      </a:r>
+                      <a:endParaRPr lang="zh-TW" altLang="en-US" sz="1200" dirty="0"/>
+                    </a:p>
+                  </a:txBody>
+                  <a:tcPr/>
+                </a:tc>
+                <a:extLst>
+                  <a:ext uri="{0D108BD9-81ED-4DB2-BD59-A6C34878D82A}">
+                    <a16:rowId xmlns:a16="http://schemas.microsoft.com/office/drawing/2014/main" val="2220042247"/>
+                  </a:ext>
+                </a:extLst>
+              </a:tr>
+              <a:tr h="301192">
+                <a:tc>
+                  <a:txBody>
+                    <a:bodyPr/>
+                    <a:lstStyle/>
+                    <a:p>
+                      <a:pPr algn="ctr"/>
+                      <a:r>
+                        <a:rPr lang="en-US" altLang="zh-TW" sz="1200" dirty="0">
+                          <a:solidFill>
+                            <a:srgbClr val="FF0000"/>
+                          </a:solidFill>
+                        </a:rPr>
+                        <a:t>A01</a:t>
+                      </a:r>
+                      <a:endParaRPr lang="zh-TW" altLang="en-US" sz="1200" dirty="0">
+                        <a:solidFill>
+                          <a:srgbClr val="FF0000"/>
+                        </a:solidFill>
+                      </a:endParaRPr>
+                    </a:p>
+                  </a:txBody>
+                  <a:tcPr/>
+                </a:tc>
+                <a:tc>
+                  <a:txBody>
+                    <a:bodyPr/>
+                    <a:lstStyle/>
+                    <a:p>
+                      <a:pPr algn="ctr"/>
+                      <a:r>
+                        <a:rPr lang="en-US" altLang="zh-TW" sz="1200" dirty="0">
+                          <a:solidFill>
+                            <a:srgbClr val="FF0000"/>
+                          </a:solidFill>
+                        </a:rPr>
+                        <a:t>A11</a:t>
+                      </a:r>
+                      <a:endParaRPr lang="zh-TW" altLang="en-US" sz="1200" dirty="0">
+                        <a:solidFill>
+                          <a:srgbClr val="FF0000"/>
+                        </a:solidFill>
+                      </a:endParaRPr>
+                    </a:p>
+                  </a:txBody>
+                  <a:tcPr/>
+                </a:tc>
+                <a:tc>
+                  <a:txBody>
+                    <a:bodyPr/>
+                    <a:lstStyle/>
+                    <a:p>
+                      <a:pPr algn="ctr"/>
+                      <a:r>
+                        <a:rPr lang="en-US" altLang="zh-TW" sz="1200" dirty="0">
+                          <a:solidFill>
+                            <a:srgbClr val="FF0000"/>
+                          </a:solidFill>
+                        </a:rPr>
+                        <a:t>A21</a:t>
+                      </a:r>
+                      <a:endParaRPr lang="zh-TW" altLang="en-US" sz="1200" dirty="0">
+                        <a:solidFill>
+                          <a:srgbClr val="FF0000"/>
+                        </a:solidFill>
+                      </a:endParaRPr>
+                    </a:p>
+                  </a:txBody>
+                  <a:tcPr/>
+                </a:tc>
+                <a:extLst>
+                  <a:ext uri="{0D108BD9-81ED-4DB2-BD59-A6C34878D82A}">
+                    <a16:rowId xmlns:a16="http://schemas.microsoft.com/office/drawing/2014/main" val="2424735000"/>
+                  </a:ext>
+                </a:extLst>
+              </a:tr>
+              <a:tr h="301192">
+                <a:tc>
+                  <a:txBody>
+                    <a:bodyPr/>
+                    <a:lstStyle/>
+                    <a:p>
+                      <a:pPr algn="ctr"/>
+                      <a:r>
+                        <a:rPr lang="en-US" altLang="zh-TW" sz="1200" dirty="0">
+                          <a:solidFill>
+                            <a:srgbClr val="0070C0"/>
+                          </a:solidFill>
+                        </a:rPr>
+                        <a:t>A02</a:t>
+                      </a:r>
+                      <a:endParaRPr lang="zh-TW" altLang="en-US" sz="1200" dirty="0">
+                        <a:solidFill>
+                          <a:srgbClr val="0070C0"/>
+                        </a:solidFill>
+                      </a:endParaRPr>
+                    </a:p>
+                  </a:txBody>
+                  <a:tcPr/>
+                </a:tc>
+                <a:tc>
+                  <a:txBody>
+                    <a:bodyPr/>
+                    <a:lstStyle/>
+                    <a:p>
+                      <a:pPr algn="ctr"/>
+                      <a:r>
+                        <a:rPr lang="en-US" altLang="zh-TW" sz="1200" dirty="0">
+                          <a:solidFill>
+                            <a:srgbClr val="0070C0"/>
+                          </a:solidFill>
+                        </a:rPr>
+                        <a:t>A12</a:t>
+                      </a:r>
+                      <a:endParaRPr lang="zh-TW" altLang="en-US" sz="1200" dirty="0">
+                        <a:solidFill>
+                          <a:srgbClr val="0070C0"/>
+                        </a:solidFill>
+                      </a:endParaRPr>
+                    </a:p>
+                  </a:txBody>
+                  <a:tcPr/>
+                </a:tc>
+                <a:tc>
+                  <a:txBody>
+                    <a:bodyPr/>
+                    <a:lstStyle/>
+                    <a:p>
+                      <a:pPr algn="ctr"/>
+                      <a:r>
+                        <a:rPr lang="en-US" altLang="zh-TW" sz="1200" dirty="0">
+                          <a:solidFill>
+                            <a:srgbClr val="0070C0"/>
+                          </a:solidFill>
+                        </a:rPr>
+                        <a:t>A22</a:t>
+                      </a:r>
+                      <a:endParaRPr lang="zh-TW" altLang="en-US" sz="1200" dirty="0">
+                        <a:solidFill>
+                          <a:srgbClr val="0070C0"/>
+                        </a:solidFill>
+                      </a:endParaRPr>
+                    </a:p>
+                  </a:txBody>
+                  <a:tcPr/>
+                </a:tc>
+                <a:extLst>
+                  <a:ext uri="{0D108BD9-81ED-4DB2-BD59-A6C34878D82A}">
+                    <a16:rowId xmlns:a16="http://schemas.microsoft.com/office/drawing/2014/main" val="805906347"/>
+                  </a:ext>
+                </a:extLst>
+              </a:tr>
+            </a:tbl>
+          </a:graphicData>
+        </a:graphic>
+      </p:graphicFrame>
     </p:spTree>
     <p:extLst>
       <p:ext uri="{BB962C8B-B14F-4D97-AF65-F5344CB8AC3E}">
@@ -20683,6 +22606,574 @@
           </a:ln>
         </p:spPr>
       </p:pic>
+      <p:graphicFrame>
+        <p:nvGraphicFramePr>
+          <p:cNvPr id="3" name="表格 2">
+            <a:extLst>
+              <a:ext uri="{FF2B5EF4-FFF2-40B4-BE49-F238E27FC236}">
+                <a16:creationId xmlns:a16="http://schemas.microsoft.com/office/drawing/2014/main" id="{5668EE84-D8DA-AE40-9372-1F3D9509DB89}"/>
+              </a:ext>
+            </a:extLst>
+          </p:cNvPr>
+          <p:cNvGraphicFramePr>
+            <a:graphicFrameLocks noGrp="1"/>
+          </p:cNvGraphicFramePr>
+          <p:nvPr>
+            <p:extLst>
+              <p:ext uri="{D42A27DB-BD31-4B8C-83A1-F6EECF244321}">
+                <p14:modId xmlns:p14="http://schemas.microsoft.com/office/powerpoint/2010/main" val="2320434972"/>
+              </p:ext>
+            </p:extLst>
+          </p:nvPr>
+        </p:nvGraphicFramePr>
+        <p:xfrm>
+          <a:off x="2195673" y="4083802"/>
+          <a:ext cx="1376469" cy="903576"/>
+        </p:xfrm>
+        <a:graphic>
+          <a:graphicData uri="http://schemas.openxmlformats.org/drawingml/2006/table">
+            <a:tbl>
+              <a:tblPr>
+                <a:tableStyleId>{5C22544A-7EE6-4342-B048-85BDC9FD1C3A}</a:tableStyleId>
+              </a:tblPr>
+              <a:tblGrid>
+                <a:gridCol w="458823">
+                  <a:extLst>
+                    <a:ext uri="{9D8B030D-6E8A-4147-A177-3AD203B41FA5}">
+                      <a16:colId xmlns:a16="http://schemas.microsoft.com/office/drawing/2014/main" val="3189781785"/>
+                    </a:ext>
+                  </a:extLst>
+                </a:gridCol>
+                <a:gridCol w="458823">
+                  <a:extLst>
+                    <a:ext uri="{9D8B030D-6E8A-4147-A177-3AD203B41FA5}">
+                      <a16:colId xmlns:a16="http://schemas.microsoft.com/office/drawing/2014/main" val="432834141"/>
+                    </a:ext>
+                  </a:extLst>
+                </a:gridCol>
+                <a:gridCol w="458823">
+                  <a:extLst>
+                    <a:ext uri="{9D8B030D-6E8A-4147-A177-3AD203B41FA5}">
+                      <a16:colId xmlns:a16="http://schemas.microsoft.com/office/drawing/2014/main" val="1848688483"/>
+                    </a:ext>
+                  </a:extLst>
+                </a:gridCol>
+              </a:tblGrid>
+              <a:tr h="301192">
+                <a:tc>
+                  <a:txBody>
+                    <a:bodyPr/>
+                    <a:lstStyle/>
+                    <a:p>
+                      <a:pPr algn="ctr"/>
+                      <a:r>
+                        <a:rPr lang="en-US" altLang="zh-TW" sz="1200" dirty="0"/>
+                        <a:t>A00</a:t>
+                      </a:r>
+                      <a:endParaRPr lang="zh-TW" altLang="en-US" sz="1200" dirty="0"/>
+                    </a:p>
+                  </a:txBody>
+                  <a:tcPr/>
+                </a:tc>
+                <a:tc>
+                  <a:txBody>
+                    <a:bodyPr/>
+                    <a:lstStyle/>
+                    <a:p>
+                      <a:pPr algn="ctr"/>
+                      <a:r>
+                        <a:rPr lang="en-US" altLang="zh-TW" sz="1200" dirty="0">
+                          <a:solidFill>
+                            <a:srgbClr val="FF0000"/>
+                          </a:solidFill>
+                        </a:rPr>
+                        <a:t>A01</a:t>
+                      </a:r>
+                      <a:endParaRPr lang="zh-TW" altLang="en-US" sz="1200" dirty="0">
+                        <a:solidFill>
+                          <a:srgbClr val="FF0000"/>
+                        </a:solidFill>
+                      </a:endParaRPr>
+                    </a:p>
+                  </a:txBody>
+                  <a:tcPr/>
+                </a:tc>
+                <a:tc>
+                  <a:txBody>
+                    <a:bodyPr/>
+                    <a:lstStyle/>
+                    <a:p>
+                      <a:pPr algn="ctr"/>
+                      <a:r>
+                        <a:rPr lang="en-US" altLang="zh-TW" sz="1200" dirty="0">
+                          <a:solidFill>
+                            <a:srgbClr val="0070C0"/>
+                          </a:solidFill>
+                        </a:rPr>
+                        <a:t>A02</a:t>
+                      </a:r>
+                      <a:endParaRPr lang="zh-TW" altLang="en-US" sz="1200" dirty="0">
+                        <a:solidFill>
+                          <a:srgbClr val="0070C0"/>
+                        </a:solidFill>
+                      </a:endParaRPr>
+                    </a:p>
+                  </a:txBody>
+                  <a:tcPr/>
+                </a:tc>
+                <a:extLst>
+                  <a:ext uri="{0D108BD9-81ED-4DB2-BD59-A6C34878D82A}">
+                    <a16:rowId xmlns:a16="http://schemas.microsoft.com/office/drawing/2014/main" val="2220042247"/>
+                  </a:ext>
+                </a:extLst>
+              </a:tr>
+              <a:tr h="301192">
+                <a:tc>
+                  <a:txBody>
+                    <a:bodyPr/>
+                    <a:lstStyle/>
+                    <a:p>
+                      <a:pPr algn="ctr"/>
+                      <a:r>
+                        <a:rPr lang="en-US" altLang="zh-TW" sz="1200" dirty="0"/>
+                        <a:t>A10</a:t>
+                      </a:r>
+                      <a:endParaRPr lang="zh-TW" altLang="en-US" sz="1200" dirty="0"/>
+                    </a:p>
+                  </a:txBody>
+                  <a:tcPr/>
+                </a:tc>
+                <a:tc>
+                  <a:txBody>
+                    <a:bodyPr/>
+                    <a:lstStyle/>
+                    <a:p>
+                      <a:pPr algn="ctr"/>
+                      <a:r>
+                        <a:rPr lang="en-US" altLang="zh-TW" sz="1200" dirty="0">
+                          <a:solidFill>
+                            <a:srgbClr val="FF0000"/>
+                          </a:solidFill>
+                        </a:rPr>
+                        <a:t>A11</a:t>
+                      </a:r>
+                      <a:endParaRPr lang="zh-TW" altLang="en-US" sz="1200" dirty="0">
+                        <a:solidFill>
+                          <a:srgbClr val="FF0000"/>
+                        </a:solidFill>
+                      </a:endParaRPr>
+                    </a:p>
+                  </a:txBody>
+                  <a:tcPr/>
+                </a:tc>
+                <a:tc>
+                  <a:txBody>
+                    <a:bodyPr/>
+                    <a:lstStyle/>
+                    <a:p>
+                      <a:pPr algn="ctr"/>
+                      <a:r>
+                        <a:rPr lang="en-US" altLang="zh-TW" sz="1200" dirty="0">
+                          <a:solidFill>
+                            <a:srgbClr val="0070C0"/>
+                          </a:solidFill>
+                        </a:rPr>
+                        <a:t>A12</a:t>
+                      </a:r>
+                      <a:endParaRPr lang="zh-TW" altLang="en-US" sz="1200" dirty="0">
+                        <a:solidFill>
+                          <a:srgbClr val="0070C0"/>
+                        </a:solidFill>
+                      </a:endParaRPr>
+                    </a:p>
+                  </a:txBody>
+                  <a:tcPr/>
+                </a:tc>
+                <a:extLst>
+                  <a:ext uri="{0D108BD9-81ED-4DB2-BD59-A6C34878D82A}">
+                    <a16:rowId xmlns:a16="http://schemas.microsoft.com/office/drawing/2014/main" val="2424735000"/>
+                  </a:ext>
+                </a:extLst>
+              </a:tr>
+              <a:tr h="301192">
+                <a:tc>
+                  <a:txBody>
+                    <a:bodyPr/>
+                    <a:lstStyle/>
+                    <a:p>
+                      <a:pPr algn="ctr"/>
+                      <a:r>
+                        <a:rPr lang="en-US" altLang="zh-TW" sz="1200" dirty="0"/>
+                        <a:t>A20</a:t>
+                      </a:r>
+                      <a:endParaRPr lang="zh-TW" altLang="en-US" sz="1200" dirty="0"/>
+                    </a:p>
+                  </a:txBody>
+                  <a:tcPr/>
+                </a:tc>
+                <a:tc>
+                  <a:txBody>
+                    <a:bodyPr/>
+                    <a:lstStyle/>
+                    <a:p>
+                      <a:pPr algn="ctr"/>
+                      <a:r>
+                        <a:rPr lang="en-US" altLang="zh-TW" sz="1200" dirty="0">
+                          <a:solidFill>
+                            <a:srgbClr val="FF0000"/>
+                          </a:solidFill>
+                        </a:rPr>
+                        <a:t>A21</a:t>
+                      </a:r>
+                      <a:endParaRPr lang="zh-TW" altLang="en-US" sz="1200" dirty="0">
+                        <a:solidFill>
+                          <a:srgbClr val="FF0000"/>
+                        </a:solidFill>
+                      </a:endParaRPr>
+                    </a:p>
+                  </a:txBody>
+                  <a:tcPr/>
+                </a:tc>
+                <a:tc>
+                  <a:txBody>
+                    <a:bodyPr/>
+                    <a:lstStyle/>
+                    <a:p>
+                      <a:pPr algn="ctr"/>
+                      <a:r>
+                        <a:rPr lang="en-US" altLang="zh-TW" sz="1200" dirty="0">
+                          <a:solidFill>
+                            <a:srgbClr val="0070C0"/>
+                          </a:solidFill>
+                        </a:rPr>
+                        <a:t>A22</a:t>
+                      </a:r>
+                      <a:endParaRPr lang="zh-TW" altLang="en-US" sz="1200" dirty="0">
+                        <a:solidFill>
+                          <a:srgbClr val="0070C0"/>
+                        </a:solidFill>
+                      </a:endParaRPr>
+                    </a:p>
+                  </a:txBody>
+                  <a:tcPr/>
+                </a:tc>
+                <a:extLst>
+                  <a:ext uri="{0D108BD9-81ED-4DB2-BD59-A6C34878D82A}">
+                    <a16:rowId xmlns:a16="http://schemas.microsoft.com/office/drawing/2014/main" val="3222223714"/>
+                  </a:ext>
+                </a:extLst>
+              </a:tr>
+            </a:tbl>
+          </a:graphicData>
+        </a:graphic>
+      </p:graphicFrame>
+      <p:graphicFrame>
+        <p:nvGraphicFramePr>
+          <p:cNvPr id="4" name="表格 3">
+            <a:extLst>
+              <a:ext uri="{FF2B5EF4-FFF2-40B4-BE49-F238E27FC236}">
+                <a16:creationId xmlns:a16="http://schemas.microsoft.com/office/drawing/2014/main" id="{33300B82-8D7A-0146-B3B7-71E17D5FFC85}"/>
+              </a:ext>
+            </a:extLst>
+          </p:cNvPr>
+          <p:cNvGraphicFramePr>
+            <a:graphicFrameLocks noGrp="1"/>
+          </p:cNvGraphicFramePr>
+          <p:nvPr>
+            <p:extLst>
+              <p:ext uri="{D42A27DB-BD31-4B8C-83A1-F6EECF244321}">
+                <p14:modId xmlns:p14="http://schemas.microsoft.com/office/powerpoint/2010/main" val="3700991080"/>
+              </p:ext>
+            </p:extLst>
+          </p:nvPr>
+        </p:nvGraphicFramePr>
+        <p:xfrm>
+          <a:off x="4698168" y="4083802"/>
+          <a:ext cx="1480443" cy="903576"/>
+        </p:xfrm>
+        <a:graphic>
+          <a:graphicData uri="http://schemas.openxmlformats.org/drawingml/2006/table">
+            <a:tbl>
+              <a:tblPr>
+                <a:tableStyleId>{5C22544A-7EE6-4342-B048-85BDC9FD1C3A}</a:tableStyleId>
+              </a:tblPr>
+              <a:tblGrid>
+                <a:gridCol w="493481">
+                  <a:extLst>
+                    <a:ext uri="{9D8B030D-6E8A-4147-A177-3AD203B41FA5}">
+                      <a16:colId xmlns:a16="http://schemas.microsoft.com/office/drawing/2014/main" val="3189781785"/>
+                    </a:ext>
+                  </a:extLst>
+                </a:gridCol>
+                <a:gridCol w="493481">
+                  <a:extLst>
+                    <a:ext uri="{9D8B030D-6E8A-4147-A177-3AD203B41FA5}">
+                      <a16:colId xmlns:a16="http://schemas.microsoft.com/office/drawing/2014/main" val="432834141"/>
+                    </a:ext>
+                  </a:extLst>
+                </a:gridCol>
+                <a:gridCol w="493481">
+                  <a:extLst>
+                    <a:ext uri="{9D8B030D-6E8A-4147-A177-3AD203B41FA5}">
+                      <a16:colId xmlns:a16="http://schemas.microsoft.com/office/drawing/2014/main" val="1052487791"/>
+                    </a:ext>
+                  </a:extLst>
+                </a:gridCol>
+              </a:tblGrid>
+              <a:tr h="301192">
+                <a:tc>
+                  <a:txBody>
+                    <a:bodyPr/>
+                    <a:lstStyle/>
+                    <a:p>
+                      <a:pPr algn="ctr"/>
+                      <a:r>
+                        <a:rPr lang="en-US" altLang="zh-TW" sz="1200" dirty="0"/>
+                        <a:t>A00</a:t>
+                      </a:r>
+                      <a:endParaRPr lang="zh-TW" altLang="en-US" sz="1200" dirty="0"/>
+                    </a:p>
+                  </a:txBody>
+                  <a:tcPr/>
+                </a:tc>
+                <a:tc>
+                  <a:txBody>
+                    <a:bodyPr/>
+                    <a:lstStyle/>
+                    <a:p>
+                      <a:pPr algn="ctr"/>
+                      <a:r>
+                        <a:rPr lang="en-US" altLang="zh-TW" sz="1200" dirty="0"/>
+                        <a:t>A10</a:t>
+                      </a:r>
+                      <a:endParaRPr lang="zh-TW" altLang="en-US" sz="1200" dirty="0"/>
+                    </a:p>
+                  </a:txBody>
+                  <a:tcPr/>
+                </a:tc>
+                <a:tc>
+                  <a:txBody>
+                    <a:bodyPr/>
+                    <a:lstStyle/>
+                    <a:p>
+                      <a:pPr algn="ctr"/>
+                      <a:r>
+                        <a:rPr lang="en-US" altLang="zh-TW" sz="1200" dirty="0"/>
+                        <a:t>A20</a:t>
+                      </a:r>
+                      <a:endParaRPr lang="zh-TW" altLang="en-US" sz="1200" dirty="0"/>
+                    </a:p>
+                  </a:txBody>
+                  <a:tcPr/>
+                </a:tc>
+                <a:extLst>
+                  <a:ext uri="{0D108BD9-81ED-4DB2-BD59-A6C34878D82A}">
+                    <a16:rowId xmlns:a16="http://schemas.microsoft.com/office/drawing/2014/main" val="2220042247"/>
+                  </a:ext>
+                </a:extLst>
+              </a:tr>
+              <a:tr h="301192">
+                <a:tc>
+                  <a:txBody>
+                    <a:bodyPr/>
+                    <a:lstStyle/>
+                    <a:p>
+                      <a:pPr algn="ctr"/>
+                      <a:r>
+                        <a:rPr lang="en-US" altLang="zh-TW" sz="1200" dirty="0">
+                          <a:solidFill>
+                            <a:srgbClr val="FF0000"/>
+                          </a:solidFill>
+                        </a:rPr>
+                        <a:t>A01</a:t>
+                      </a:r>
+                      <a:endParaRPr lang="zh-TW" altLang="en-US" sz="1200" dirty="0">
+                        <a:solidFill>
+                          <a:srgbClr val="FF0000"/>
+                        </a:solidFill>
+                      </a:endParaRPr>
+                    </a:p>
+                  </a:txBody>
+                  <a:tcPr/>
+                </a:tc>
+                <a:tc>
+                  <a:txBody>
+                    <a:bodyPr/>
+                    <a:lstStyle/>
+                    <a:p>
+                      <a:pPr algn="ctr"/>
+                      <a:r>
+                        <a:rPr lang="en-US" altLang="zh-TW" sz="1200" dirty="0">
+                          <a:solidFill>
+                            <a:srgbClr val="FF0000"/>
+                          </a:solidFill>
+                        </a:rPr>
+                        <a:t>A11</a:t>
+                      </a:r>
+                      <a:endParaRPr lang="zh-TW" altLang="en-US" sz="1200" dirty="0">
+                        <a:solidFill>
+                          <a:srgbClr val="FF0000"/>
+                        </a:solidFill>
+                      </a:endParaRPr>
+                    </a:p>
+                  </a:txBody>
+                  <a:tcPr/>
+                </a:tc>
+                <a:tc>
+                  <a:txBody>
+                    <a:bodyPr/>
+                    <a:lstStyle/>
+                    <a:p>
+                      <a:pPr algn="ctr"/>
+                      <a:r>
+                        <a:rPr lang="en-US" altLang="zh-TW" sz="1200" dirty="0">
+                          <a:solidFill>
+                            <a:srgbClr val="FF0000"/>
+                          </a:solidFill>
+                        </a:rPr>
+                        <a:t>A21</a:t>
+                      </a:r>
+                      <a:endParaRPr lang="zh-TW" altLang="en-US" sz="1200" dirty="0">
+                        <a:solidFill>
+                          <a:srgbClr val="FF0000"/>
+                        </a:solidFill>
+                      </a:endParaRPr>
+                    </a:p>
+                  </a:txBody>
+                  <a:tcPr/>
+                </a:tc>
+                <a:extLst>
+                  <a:ext uri="{0D108BD9-81ED-4DB2-BD59-A6C34878D82A}">
+                    <a16:rowId xmlns:a16="http://schemas.microsoft.com/office/drawing/2014/main" val="2424735000"/>
+                  </a:ext>
+                </a:extLst>
+              </a:tr>
+              <a:tr h="301192">
+                <a:tc>
+                  <a:txBody>
+                    <a:bodyPr/>
+                    <a:lstStyle/>
+                    <a:p>
+                      <a:pPr algn="ctr"/>
+                      <a:r>
+                        <a:rPr lang="en-US" altLang="zh-TW" sz="1200" dirty="0">
+                          <a:solidFill>
+                            <a:srgbClr val="0070C0"/>
+                          </a:solidFill>
+                        </a:rPr>
+                        <a:t>A02</a:t>
+                      </a:r>
+                      <a:endParaRPr lang="zh-TW" altLang="en-US" sz="1200" dirty="0">
+                        <a:solidFill>
+                          <a:srgbClr val="0070C0"/>
+                        </a:solidFill>
+                      </a:endParaRPr>
+                    </a:p>
+                  </a:txBody>
+                  <a:tcPr/>
+                </a:tc>
+                <a:tc>
+                  <a:txBody>
+                    <a:bodyPr/>
+                    <a:lstStyle/>
+                    <a:p>
+                      <a:pPr algn="ctr"/>
+                      <a:r>
+                        <a:rPr lang="en-US" altLang="zh-TW" sz="1200" dirty="0">
+                          <a:solidFill>
+                            <a:srgbClr val="0070C0"/>
+                          </a:solidFill>
+                        </a:rPr>
+                        <a:t>A12</a:t>
+                      </a:r>
+                      <a:endParaRPr lang="zh-TW" altLang="en-US" sz="1200" dirty="0">
+                        <a:solidFill>
+                          <a:srgbClr val="0070C0"/>
+                        </a:solidFill>
+                      </a:endParaRPr>
+                    </a:p>
+                  </a:txBody>
+                  <a:tcPr/>
+                </a:tc>
+                <a:tc>
+                  <a:txBody>
+                    <a:bodyPr/>
+                    <a:lstStyle/>
+                    <a:p>
+                      <a:pPr algn="ctr"/>
+                      <a:r>
+                        <a:rPr lang="en-US" altLang="zh-TW" sz="1200" dirty="0">
+                          <a:solidFill>
+                            <a:srgbClr val="0070C0"/>
+                          </a:solidFill>
+                        </a:rPr>
+                        <a:t>A22</a:t>
+                      </a:r>
+                      <a:endParaRPr lang="zh-TW" altLang="en-US" sz="1200" dirty="0">
+                        <a:solidFill>
+                          <a:srgbClr val="0070C0"/>
+                        </a:solidFill>
+                      </a:endParaRPr>
+                    </a:p>
+                  </a:txBody>
+                  <a:tcPr/>
+                </a:tc>
+                <a:extLst>
+                  <a:ext uri="{0D108BD9-81ED-4DB2-BD59-A6C34878D82A}">
+                    <a16:rowId xmlns:a16="http://schemas.microsoft.com/office/drawing/2014/main" val="805906347"/>
+                  </a:ext>
+                </a:extLst>
+              </a:tr>
+            </a:tbl>
+          </a:graphicData>
+        </a:graphic>
+      </p:graphicFrame>
+      <p:sp>
+        <p:nvSpPr>
+          <p:cNvPr id="5" name="向右箭號 4">
+            <a:extLst>
+              <a:ext uri="{FF2B5EF4-FFF2-40B4-BE49-F238E27FC236}">
+                <a16:creationId xmlns:a16="http://schemas.microsoft.com/office/drawing/2014/main" id="{BFBACAD9-E75D-8F41-BFB3-0156ECD193CA}"/>
+              </a:ext>
+            </a:extLst>
+          </p:cNvPr>
+          <p:cNvSpPr/>
+          <p:nvPr/>
+        </p:nvSpPr>
+        <p:spPr>
+          <a:xfrm>
+            <a:off x="3915994" y="4407403"/>
+            <a:ext cx="529839" cy="256374"/>
+          </a:xfrm>
+          <a:prstGeom prst="stripedRightArrow">
+            <a:avLst/>
+          </a:prstGeom>
+        </p:spPr>
+        <p:style>
+          <a:lnRef idx="2">
+            <a:schemeClr val="accent1">
+              <a:shade val="50000"/>
+            </a:schemeClr>
+          </a:lnRef>
+          <a:fillRef idx="1">
+            <a:schemeClr val="accent1"/>
+          </a:fillRef>
+          <a:effectRef idx="0">
+            <a:schemeClr val="accent1"/>
+          </a:effectRef>
+          <a:fontRef idx="minor">
+            <a:schemeClr val="lt1"/>
+          </a:fontRef>
+        </p:style>
+        <p:txBody>
+          <a:bodyPr rtlCol="0" anchor="ctr"/>
+          <a:lstStyle/>
+          <a:p>
+            <a:pPr algn="ctr"/>
+            <a:endParaRPr kumimoji="1" lang="zh-TW" altLang="en-US"/>
+          </a:p>
+        </p:txBody>
+      </p:sp>
     </p:spTree>
     <p:extLst>
       <p:ext uri="{BB962C8B-B14F-4D97-AF65-F5344CB8AC3E}">
@@ -20697,6 +23188,217 @@
 </file>
 
 <file path=ppt/slides/slide5.xml><?xml version="1.0" encoding="utf-8"?>
+<p:sld xmlns:a="http://schemas.openxmlformats.org/drawingml/2006/main" xmlns:r="http://schemas.openxmlformats.org/officeDocument/2006/relationships" xmlns:p="http://schemas.openxmlformats.org/presentationml/2006/main">
+  <p:cSld>
+    <p:spTree>
+      <p:nvGrpSpPr>
+        <p:cNvPr id="1" name=""/>
+        <p:cNvGrpSpPr/>
+        <p:nvPr/>
+      </p:nvGrpSpPr>
+      <p:grpSpPr>
+        <a:xfrm>
+          <a:off x="0" y="0"/>
+          <a:ext cx="0" cy="0"/>
+          <a:chOff x="0" y="0"/>
+          <a:chExt cx="0" cy="0"/>
+        </a:xfrm>
+      </p:grpSpPr>
+      <p:sp>
+        <p:nvSpPr>
+          <p:cNvPr id="2" name="標題 1">
+            <a:extLst>
+              <a:ext uri="{FF2B5EF4-FFF2-40B4-BE49-F238E27FC236}">
+                <a16:creationId xmlns:a16="http://schemas.microsoft.com/office/drawing/2014/main" id="{09868717-8798-1746-8256-5AF2738082B4}"/>
+              </a:ext>
+            </a:extLst>
+          </p:cNvPr>
+          <p:cNvSpPr>
+            <a:spLocks noGrp="1"/>
+          </p:cNvSpPr>
+          <p:nvPr>
+            <p:ph type="title"/>
+          </p:nvPr>
+        </p:nvSpPr>
+        <p:spPr>
+          <a:xfrm>
+            <a:off x="802386" y="127404"/>
+            <a:ext cx="7543800" cy="1341120"/>
+          </a:xfrm>
+        </p:spPr>
+        <p:txBody>
+          <a:bodyPr/>
+          <a:lstStyle/>
+          <a:p>
+            <a:r>
+              <a:rPr kumimoji="1" lang="zh-TW" altLang="en-US" dirty="0"/>
+              <a:t>善用</a:t>
+            </a:r>
+            <a:r>
+              <a:rPr kumimoji="1" lang="en-US" altLang="zh-TW" dirty="0"/>
+              <a:t>Python tutor</a:t>
+            </a:r>
+            <a:endParaRPr kumimoji="1" lang="zh-TW" altLang="en-US" dirty="0"/>
+          </a:p>
+        </p:txBody>
+      </p:sp>
+      <p:sp>
+        <p:nvSpPr>
+          <p:cNvPr id="3" name="內容版面配置區 2">
+            <a:extLst>
+              <a:ext uri="{FF2B5EF4-FFF2-40B4-BE49-F238E27FC236}">
+                <a16:creationId xmlns:a16="http://schemas.microsoft.com/office/drawing/2014/main" id="{A6338CE8-A735-6249-8AEC-9E09F53C8A76}"/>
+              </a:ext>
+            </a:extLst>
+          </p:cNvPr>
+          <p:cNvSpPr>
+            <a:spLocks noGrp="1"/>
+          </p:cNvSpPr>
+          <p:nvPr>
+            <p:ph idx="1"/>
+          </p:nvPr>
+        </p:nvSpPr>
+        <p:spPr>
+          <a:xfrm>
+            <a:off x="802386" y="1244000"/>
+            <a:ext cx="7543800" cy="3623044"/>
+          </a:xfrm>
+        </p:spPr>
+        <p:txBody>
+          <a:bodyPr/>
+          <a:lstStyle/>
+          <a:p>
+            <a:r>
+              <a:rPr lang="en" altLang="zh-TW" dirty="0">
+                <a:hlinkClick r:id="rId2"/>
+              </a:rPr>
+              <a:t>http://pythontutor.com/live.html#mode=edit</a:t>
+            </a:r>
+            <a:endParaRPr kumimoji="1" lang="zh-TW" altLang="en-US" dirty="0"/>
+          </a:p>
+        </p:txBody>
+      </p:sp>
+      <p:pic>
+        <p:nvPicPr>
+          <p:cNvPr id="5" name="圖片 4">
+            <a:extLst>
+              <a:ext uri="{FF2B5EF4-FFF2-40B4-BE49-F238E27FC236}">
+                <a16:creationId xmlns:a16="http://schemas.microsoft.com/office/drawing/2014/main" id="{EE3B4CDF-35F0-7148-B625-98860EEEA213}"/>
+              </a:ext>
+            </a:extLst>
+          </p:cNvPr>
+          <p:cNvPicPr>
+            <a:picLocks noChangeAspect="1"/>
+          </p:cNvPicPr>
+          <p:nvPr/>
+        </p:nvPicPr>
+        <p:blipFill>
+          <a:blip r:embed="rId3"/>
+          <a:stretch>
+            <a:fillRect/>
+          </a:stretch>
+        </p:blipFill>
+        <p:spPr>
+          <a:xfrm>
+            <a:off x="330200" y="1815565"/>
+            <a:ext cx="4826000" cy="2222500"/>
+          </a:xfrm>
+          <a:prstGeom prst="rect">
+            <a:avLst/>
+          </a:prstGeom>
+        </p:spPr>
+      </p:pic>
+      <p:pic>
+        <p:nvPicPr>
+          <p:cNvPr id="6" name="圖片 5">
+            <a:extLst>
+              <a:ext uri="{FF2B5EF4-FFF2-40B4-BE49-F238E27FC236}">
+                <a16:creationId xmlns:a16="http://schemas.microsoft.com/office/drawing/2014/main" id="{B050564D-5BED-F649-AAA1-50730585D855}"/>
+              </a:ext>
+            </a:extLst>
+          </p:cNvPr>
+          <p:cNvPicPr>
+            <a:picLocks noChangeAspect="1"/>
+          </p:cNvPicPr>
+          <p:nvPr/>
+        </p:nvPicPr>
+        <p:blipFill>
+          <a:blip r:embed="rId4"/>
+          <a:stretch>
+            <a:fillRect/>
+          </a:stretch>
+        </p:blipFill>
+        <p:spPr>
+          <a:xfrm>
+            <a:off x="4146698" y="1719868"/>
+            <a:ext cx="4901018" cy="3866359"/>
+          </a:xfrm>
+          <a:prstGeom prst="rect">
+            <a:avLst/>
+          </a:prstGeom>
+        </p:spPr>
+      </p:pic>
+      <p:sp>
+        <p:nvSpPr>
+          <p:cNvPr id="7" name="矩形 6">
+            <a:extLst>
+              <a:ext uri="{FF2B5EF4-FFF2-40B4-BE49-F238E27FC236}">
+                <a16:creationId xmlns:a16="http://schemas.microsoft.com/office/drawing/2014/main" id="{E8A3EC8E-C5D5-2749-83C7-57FB1F2D93E9}"/>
+              </a:ext>
+            </a:extLst>
+          </p:cNvPr>
+          <p:cNvSpPr/>
+          <p:nvPr/>
+        </p:nvSpPr>
+        <p:spPr>
+          <a:xfrm>
+            <a:off x="330200" y="2857500"/>
+            <a:ext cx="711791" cy="619347"/>
+          </a:xfrm>
+          <a:prstGeom prst="rect">
+            <a:avLst/>
+          </a:prstGeom>
+          <a:noFill/>
+        </p:spPr>
+        <p:style>
+          <a:lnRef idx="2">
+            <a:schemeClr val="accent1">
+              <a:shade val="50000"/>
+            </a:schemeClr>
+          </a:lnRef>
+          <a:fillRef idx="1">
+            <a:schemeClr val="accent1"/>
+          </a:fillRef>
+          <a:effectRef idx="0">
+            <a:schemeClr val="accent1"/>
+          </a:effectRef>
+          <a:fontRef idx="minor">
+            <a:schemeClr val="lt1"/>
+          </a:fontRef>
+        </p:style>
+        <p:txBody>
+          <a:bodyPr rtlCol="0" anchor="ctr"/>
+          <a:lstStyle/>
+          <a:p>
+            <a:pPr algn="ctr"/>
+            <a:endParaRPr kumimoji="1" lang="zh-TW" altLang="en-US"/>
+          </a:p>
+        </p:txBody>
+      </p:sp>
+    </p:spTree>
+    <p:extLst>
+      <p:ext uri="{BB962C8B-B14F-4D97-AF65-F5344CB8AC3E}">
+        <p14:creationId xmlns:p14="http://schemas.microsoft.com/office/powerpoint/2010/main" val="548606568"/>
+      </p:ext>
+    </p:extLst>
+  </p:cSld>
+  <p:clrMapOvr>
+    <a:masterClrMapping/>
+  </p:clrMapOvr>
+</p:sld>
+</file>
+
+<file path=ppt/slides/slide6.xml><?xml version="1.0" encoding="utf-8"?>
 <p:sld xmlns:a="http://schemas.openxmlformats.org/drawingml/2006/main" xmlns:r="http://schemas.openxmlformats.org/officeDocument/2006/relationships" xmlns:p="http://schemas.openxmlformats.org/presentationml/2006/main">
   <p:cSld>
     <p:bg>
@@ -20818,7 +23520,7 @@
 </p:sld>
 </file>
 
-<file path=ppt/slides/slide6.xml><?xml version="1.0" encoding="utf-8"?>
+<file path=ppt/slides/slide7.xml><?xml version="1.0" encoding="utf-8"?>
 <p:sld xmlns:a="http://schemas.openxmlformats.org/drawingml/2006/main" xmlns:r="http://schemas.openxmlformats.org/officeDocument/2006/relationships" xmlns:p="http://schemas.openxmlformats.org/presentationml/2006/main">
   <p:cSld>
     <p:spTree>
@@ -20913,7 +23615,7 @@
 </p:sld>
 </file>
 
-<file path=ppt/slides/slide7.xml><?xml version="1.0" encoding="utf-8"?>
+<file path=ppt/slides/slide8.xml><?xml version="1.0" encoding="utf-8"?>
 <p:sld xmlns:a="http://schemas.openxmlformats.org/drawingml/2006/main" xmlns:r="http://schemas.openxmlformats.org/officeDocument/2006/relationships" xmlns:p="http://schemas.openxmlformats.org/presentationml/2006/main">
   <p:cSld>
     <p:bg>
@@ -21028,7 +23730,7 @@
 </p:sld>
 </file>
 
-<file path=ppt/slides/slide8.xml><?xml version="1.0" encoding="utf-8"?>
+<file path=ppt/slides/slide9.xml><?xml version="1.0" encoding="utf-8"?>
 <p:sld xmlns:a="http://schemas.openxmlformats.org/drawingml/2006/main" xmlns:r="http://schemas.openxmlformats.org/officeDocument/2006/relationships" xmlns:p="http://schemas.openxmlformats.org/presentationml/2006/main">
   <p:cSld>
     <p:spTree>
@@ -21047,10 +23749,10 @@
       </p:grpSpPr>
       <p:pic>
         <p:nvPicPr>
-          <p:cNvPr id="9" name="圖片 8">
+          <p:cNvPr id="2" name="圖片 1">
             <a:extLst>
               <a:ext uri="{FF2B5EF4-FFF2-40B4-BE49-F238E27FC236}">
-                <a16:creationId xmlns:a16="http://schemas.microsoft.com/office/drawing/2014/main" id="{E2CE32FA-6918-2A4E-A9EF-64B8F1AAFCAA}"/>
+                <a16:creationId xmlns:a16="http://schemas.microsoft.com/office/drawing/2014/main" id="{538070F3-8E0C-5040-9DBE-36D3E93C0CF7}"/>
               </a:ext>
             </a:extLst>
           </p:cNvPr>
@@ -21067,25 +23769,20 @@
         </p:blipFill>
         <p:spPr>
           <a:xfrm>
-            <a:off x="149373" y="100070"/>
-            <a:ext cx="5055621" cy="3212685"/>
+            <a:off x="5623219" y="0"/>
+            <a:ext cx="3341431" cy="5715000"/>
           </a:xfrm>
           <a:prstGeom prst="rect">
             <a:avLst/>
           </a:prstGeom>
-          <a:ln>
-            <a:solidFill>
-              <a:schemeClr val="accent2"/>
-            </a:solidFill>
-          </a:ln>
         </p:spPr>
       </p:pic>
       <p:pic>
         <p:nvPicPr>
-          <p:cNvPr id="10" name="圖片 9">
+          <p:cNvPr id="4" name="圖片 3">
             <a:extLst>
               <a:ext uri="{FF2B5EF4-FFF2-40B4-BE49-F238E27FC236}">
-                <a16:creationId xmlns:a16="http://schemas.microsoft.com/office/drawing/2014/main" id="{3A949A59-B0FD-9048-B129-6A0C67BC6B09}"/>
+                <a16:creationId xmlns:a16="http://schemas.microsoft.com/office/drawing/2014/main" id="{7066ED53-5A19-E24A-8D54-20A137AFA2C4}"/>
               </a:ext>
             </a:extLst>
           </p:cNvPr>
@@ -21102,8 +23799,8 @@
         </p:blipFill>
         <p:spPr>
           <a:xfrm>
-            <a:off x="3136307" y="3409237"/>
-            <a:ext cx="5884788" cy="2205693"/>
+            <a:off x="81752" y="1137684"/>
+            <a:ext cx="6271558" cy="4502888"/>
           </a:xfrm>
           <a:prstGeom prst="rect">
             <a:avLst/>
@@ -21118,122 +23815,7 @@
     </p:spTree>
     <p:extLst>
       <p:ext uri="{BB962C8B-B14F-4D97-AF65-F5344CB8AC3E}">
-        <p14:creationId xmlns:p14="http://schemas.microsoft.com/office/powerpoint/2010/main" val="2823131167"/>
-      </p:ext>
-    </p:extLst>
-  </p:cSld>
-  <p:clrMapOvr>
-    <a:masterClrMapping/>
-  </p:clrMapOvr>
-</p:sld>
-</file>
-
-<file path=ppt/slides/slide9.xml><?xml version="1.0" encoding="utf-8"?>
-<p:sld xmlns:a="http://schemas.openxmlformats.org/drawingml/2006/main" xmlns:r="http://schemas.openxmlformats.org/officeDocument/2006/relationships" xmlns:p="http://schemas.openxmlformats.org/presentationml/2006/main">
-  <p:cSld>
-    <p:bg>
-      <p:bgPr>
-        <a:solidFill>
-          <a:schemeClr val="bg1"/>
-        </a:solidFill>
-        <a:effectLst/>
-      </p:bgPr>
-    </p:bg>
-    <p:spTree>
-      <p:nvGrpSpPr>
-        <p:cNvPr id="1" name=""/>
-        <p:cNvGrpSpPr/>
-        <p:nvPr/>
-      </p:nvGrpSpPr>
-      <p:grpSpPr>
-        <a:xfrm>
-          <a:off x="0" y="0"/>
-          <a:ext cx="0" cy="0"/>
-          <a:chOff x="0" y="0"/>
-          <a:chExt cx="0" cy="0"/>
-        </a:xfrm>
-      </p:grpSpPr>
-      <p:sp>
-        <p:nvSpPr>
-          <p:cNvPr id="2" name="標題 1">
-            <a:extLst>
-              <a:ext uri="{FF2B5EF4-FFF2-40B4-BE49-F238E27FC236}">
-                <a16:creationId xmlns:a16="http://schemas.microsoft.com/office/drawing/2014/main" id="{8C2840B5-9697-D44A-8CEC-C50B447D4D01}"/>
-              </a:ext>
-            </a:extLst>
-          </p:cNvPr>
-          <p:cNvSpPr>
-            <a:spLocks noGrp="1"/>
-          </p:cNvSpPr>
-          <p:nvPr>
-            <p:ph type="title"/>
-          </p:nvPr>
-        </p:nvSpPr>
-        <p:spPr>
-          <a:xfrm>
-            <a:off x="6359833" y="765573"/>
-            <a:ext cx="2284555" cy="3883033"/>
-          </a:xfrm>
-          <a:ln>
-            <a:noFill/>
-          </a:ln>
-        </p:spPr>
-        <p:txBody>
-          <a:bodyPr>
-            <a:normAutofit/>
-          </a:bodyPr>
-          <a:lstStyle/>
-          <a:p>
-            <a:r>
-              <a:rPr lang="zh-TW" altLang="en-US" sz="2400" b="1" dirty="0"/>
-              <a:t>題目</a:t>
-            </a:r>
-            <a:r>
-              <a:rPr lang="en-US" altLang="zh-TW" sz="2400" b="1" dirty="0"/>
-              <a:t>14. </a:t>
-            </a:r>
-            <a:r>
-              <a:rPr lang="zh-TW" altLang="en-US" sz="2400" b="1" dirty="0"/>
-              <a:t>判斷是否為迴文</a:t>
-            </a:r>
-          </a:p>
-        </p:txBody>
-      </p:sp>
-      <p:graphicFrame>
-        <p:nvGraphicFramePr>
-          <p:cNvPr id="5" name="內容版面配置區 2">
-            <a:extLst>
-              <a:ext uri="{FF2B5EF4-FFF2-40B4-BE49-F238E27FC236}">
-                <a16:creationId xmlns:a16="http://schemas.microsoft.com/office/drawing/2014/main" id="{B79F1320-04D0-4EA3-96DD-9006D69E9172}"/>
-              </a:ext>
-            </a:extLst>
-          </p:cNvPr>
-          <p:cNvGraphicFramePr>
-            <a:graphicFrameLocks noGrp="1"/>
-          </p:cNvGraphicFramePr>
-          <p:nvPr>
-            <p:ph idx="1"/>
-            <p:extLst>
-              <p:ext uri="{D42A27DB-BD31-4B8C-83A1-F6EECF244321}">
-                <p14:modId xmlns:p14="http://schemas.microsoft.com/office/powerpoint/2010/main" val="1474320619"/>
-              </p:ext>
-            </p:extLst>
-          </p:nvPr>
-        </p:nvGraphicFramePr>
-        <p:xfrm>
-          <a:off x="466725" y="765572"/>
-          <a:ext cx="4929188" cy="4191000"/>
-        </p:xfrm>
-        <a:graphic>
-          <a:graphicData uri="http://schemas.openxmlformats.org/drawingml/2006/diagram">
-            <dgm:relIds xmlns:dgm="http://schemas.openxmlformats.org/drawingml/2006/diagram" xmlns:r="http://schemas.openxmlformats.org/officeDocument/2006/relationships" r:dm="rId2" r:lo="rId3" r:qs="rId4" r:cs="rId5"/>
-          </a:graphicData>
-        </a:graphic>
-      </p:graphicFrame>
-    </p:spTree>
-    <p:extLst>
-      <p:ext uri="{BB962C8B-B14F-4D97-AF65-F5344CB8AC3E}">
-        <p14:creationId xmlns:p14="http://schemas.microsoft.com/office/powerpoint/2010/main" val="2402312671"/>
+        <p14:creationId xmlns:p14="http://schemas.microsoft.com/office/powerpoint/2010/main" val="2494552062"/>
       </p:ext>
     </p:extLst>
   </p:cSld>

--- a/Slide_ITSA_Basics/ITSA Basics_11_15.pptx
+++ b/Slide_ITSA_Basics/ITSA Basics_11_15.pptx
@@ -16263,7 +16263,7 @@
           <a:p>
             <a:fld id="{F6FA2B21-3FCD-4721-B95C-427943F61125}" type="datetime1">
               <a:rPr lang="en-US" smtClean="0"/>
-              <a:t>7/22/19</a:t>
+              <a:t>7/28/19</a:t>
             </a:fld>
             <a:endParaRPr lang="en-US"/>
           </a:p>
@@ -16443,7 +16443,7 @@
           <a:p>
             <a:fld id="{F6FA2B21-3FCD-4721-B95C-427943F61125}" type="datetime1">
               <a:rPr lang="en-US" smtClean="0"/>
-              <a:t>7/22/19</a:t>
+              <a:t>7/28/19</a:t>
             </a:fld>
             <a:endParaRPr lang="en-US"/>
           </a:p>
@@ -16624,7 +16624,7 @@
           <a:p>
             <a:fld id="{F6FA2B21-3FCD-4721-B95C-427943F61125}" type="datetime1">
               <a:rPr lang="en-US" smtClean="0"/>
-              <a:t>7/22/19</a:t>
+              <a:t>7/28/19</a:t>
             </a:fld>
             <a:endParaRPr lang="en-US"/>
           </a:p>
@@ -16795,7 +16795,7 @@
           <a:p>
             <a:fld id="{F6FA2B21-3FCD-4721-B95C-427943F61125}" type="datetime1">
               <a:rPr lang="en-US" smtClean="0"/>
-              <a:t>7/22/19</a:t>
+              <a:t>7/28/19</a:t>
             </a:fld>
             <a:endParaRPr lang="en-US"/>
           </a:p>
@@ -17117,7 +17117,7 @@
           <a:p>
             <a:fld id="{F6FA2B21-3FCD-4721-B95C-427943F61125}" type="datetime1">
               <a:rPr lang="en-US" smtClean="0"/>
-              <a:t>7/22/19</a:t>
+              <a:t>7/28/19</a:t>
             </a:fld>
             <a:endParaRPr lang="en-US"/>
           </a:p>
@@ -17578,7 +17578,7 @@
           <a:p>
             <a:fld id="{F6FA2B21-3FCD-4721-B95C-427943F61125}" type="datetime1">
               <a:rPr lang="en-US" smtClean="0"/>
-              <a:t>7/22/19</a:t>
+              <a:t>7/28/19</a:t>
             </a:fld>
             <a:endParaRPr lang="en-US"/>
           </a:p>
@@ -17990,7 +17990,7 @@
           <a:p>
             <a:fld id="{F6FA2B21-3FCD-4721-B95C-427943F61125}" type="datetime1">
               <a:rPr lang="en-US" smtClean="0"/>
-              <a:t>7/22/19</a:t>
+              <a:t>7/28/19</a:t>
             </a:fld>
             <a:endParaRPr lang="en-US"/>
           </a:p>
@@ -18109,7 +18109,7 @@
           <a:p>
             <a:fld id="{F6FA2B21-3FCD-4721-B95C-427943F61125}" type="datetime1">
               <a:rPr lang="en-US" smtClean="0"/>
-              <a:t>7/22/19</a:t>
+              <a:t>7/28/19</a:t>
             </a:fld>
             <a:endParaRPr lang="en-US"/>
           </a:p>
@@ -18228,7 +18228,7 @@
           <a:p>
             <a:fld id="{F6FA2B21-3FCD-4721-B95C-427943F61125}" type="datetime1">
               <a:rPr lang="en-US" smtClean="0"/>
-              <a:t>7/22/19</a:t>
+              <a:t>7/28/19</a:t>
             </a:fld>
             <a:endParaRPr lang="en-US"/>
           </a:p>
@@ -18587,7 +18587,7 @@
           <a:p>
             <a:fld id="{F6FA2B21-3FCD-4721-B95C-427943F61125}" type="datetime1">
               <a:rPr lang="en-US" smtClean="0"/>
-              <a:t>7/22/19</a:t>
+              <a:t>7/28/19</a:t>
             </a:fld>
             <a:endParaRPr lang="en-US"/>
           </a:p>
@@ -19095,7 +19095,7 @@
           <a:p>
             <a:fld id="{F6FA2B21-3FCD-4721-B95C-427943F61125}" type="datetime1">
               <a:rPr lang="en-US" smtClean="0"/>
-              <a:t>7/22/19</a:t>
+              <a:t>7/28/19</a:t>
             </a:fld>
             <a:endParaRPr lang="en-US"/>
           </a:p>
@@ -19451,7 +19451,7 @@
           <a:p>
             <a:fld id="{F6FA2B21-3FCD-4721-B95C-427943F61125}" type="datetime1">
               <a:rPr lang="en-US" smtClean="0"/>
-              <a:t>7/22/19</a:t>
+              <a:t>7/28/19</a:t>
             </a:fld>
             <a:endParaRPr lang="en-US"/>
           </a:p>
@@ -22571,41 +22571,6 @@
           <a:chExt cx="0" cy="0"/>
         </a:xfrm>
       </p:grpSpPr>
-      <p:pic>
-        <p:nvPicPr>
-          <p:cNvPr id="2" name="圖片 1">
-            <a:extLst>
-              <a:ext uri="{FF2B5EF4-FFF2-40B4-BE49-F238E27FC236}">
-                <a16:creationId xmlns:a16="http://schemas.microsoft.com/office/drawing/2014/main" id="{F8B27C01-6E42-C041-A8DB-A74B7582B83C}"/>
-              </a:ext>
-            </a:extLst>
-          </p:cNvPr>
-          <p:cNvPicPr>
-            <a:picLocks noChangeAspect="1"/>
-          </p:cNvPicPr>
-          <p:nvPr/>
-        </p:nvPicPr>
-        <p:blipFill>
-          <a:blip r:embed="rId2"/>
-          <a:stretch>
-            <a:fillRect/>
-          </a:stretch>
-        </p:blipFill>
-        <p:spPr>
-          <a:xfrm>
-            <a:off x="553696" y="111155"/>
-            <a:ext cx="7848600" cy="3441700"/>
-          </a:xfrm>
-          <a:prstGeom prst="rect">
-            <a:avLst/>
-          </a:prstGeom>
-          <a:ln>
-            <a:solidFill>
-              <a:schemeClr val="accent2"/>
-            </a:solidFill>
-          </a:ln>
-        </p:spPr>
-      </p:pic>
       <p:graphicFrame>
         <p:nvGraphicFramePr>
           <p:cNvPr id="3" name="表格 2">
@@ -23174,6 +23139,36 @@
           </a:p>
         </p:txBody>
       </p:sp>
+      <p:pic>
+        <p:nvPicPr>
+          <p:cNvPr id="6" name="圖片 5">
+            <a:extLst>
+              <a:ext uri="{FF2B5EF4-FFF2-40B4-BE49-F238E27FC236}">
+                <a16:creationId xmlns:a16="http://schemas.microsoft.com/office/drawing/2014/main" id="{18E622E6-8949-AA42-9A9B-CB117B9052CA}"/>
+              </a:ext>
+            </a:extLst>
+          </p:cNvPr>
+          <p:cNvPicPr>
+            <a:picLocks noChangeAspect="1"/>
+          </p:cNvPicPr>
+          <p:nvPr/>
+        </p:nvPicPr>
+        <p:blipFill>
+          <a:blip r:embed="rId2"/>
+          <a:stretch>
+            <a:fillRect/>
+          </a:stretch>
+        </p:blipFill>
+        <p:spPr>
+          <a:xfrm>
+            <a:off x="1526241" y="513000"/>
+            <a:ext cx="5391524" cy="2865574"/>
+          </a:xfrm>
+          <a:prstGeom prst="rect">
+            <a:avLst/>
+          </a:prstGeom>
+        </p:spPr>
+      </p:pic>
     </p:spTree>
     <p:extLst>
       <p:ext uri="{BB962C8B-B14F-4D97-AF65-F5344CB8AC3E}">
